--- a/algo.pptx
+++ b/algo.pptx
@@ -3,24 +3,29 @@
 <p:presentation xmlns:a="http://schemas.openxmlformats.org/drawingml/2006/main" xmlns:p="http://schemas.openxmlformats.org/presentationml/2006/main" xmlns:r="http://schemas.openxmlformats.org/officeDocument/2006/relationships" xmlns:p14="http://schemas.microsoft.com/office/powerpoint/2010/main" xmlns:p15="http://schemas.microsoft.com/office/powerpoint/2012/main" xmlns:mc="http://schemas.openxmlformats.org/markup-compatibility/2006">
   <p:sldMasterIdLst>
     <p:sldMasterId id="2147483648" r:id="rId2"/>
+    <p:sldMasterId id="2147483651" r:id="rId3"/>
+    <p:sldMasterId id="2147483653" r:id="rId4"/>
   </p:sldMasterIdLst>
   <p:sldIdLst>
-    <p:sldId id="256" r:id="rId3"/>
-    <p:sldId id="257" r:id="rId4"/>
-    <p:sldId id="258" r:id="rId5"/>
-    <p:sldId id="259" r:id="rId6"/>
-    <p:sldId id="260" r:id="rId7"/>
-    <p:sldId id="261" r:id="rId8"/>
-    <p:sldId id="262" r:id="rId9"/>
-    <p:sldId id="263" r:id="rId10"/>
-    <p:sldId id="264" r:id="rId11"/>
-    <p:sldId id="265" r:id="rId12"/>
-    <p:sldId id="266" r:id="rId13"/>
-    <p:sldId id="267" r:id="rId14"/>
-    <p:sldId id="268" r:id="rId15"/>
-    <p:sldId id="269" r:id="rId16"/>
-    <p:sldId id="270" r:id="rId17"/>
-    <p:sldId id="271" r:id="rId18"/>
+    <p:sldId id="256" r:id="rId5"/>
+    <p:sldId id="257" r:id="rId6"/>
+    <p:sldId id="258" r:id="rId7"/>
+    <p:sldId id="259" r:id="rId8"/>
+    <p:sldId id="260" r:id="rId9"/>
+    <p:sldId id="261" r:id="rId10"/>
+    <p:sldId id="262" r:id="rId11"/>
+    <p:sldId id="263" r:id="rId12"/>
+    <p:sldId id="264" r:id="rId13"/>
+    <p:sldId id="265" r:id="rId14"/>
+    <p:sldId id="266" r:id="rId15"/>
+    <p:sldId id="267" r:id="rId16"/>
+    <p:sldId id="268" r:id="rId17"/>
+    <p:sldId id="269" r:id="rId18"/>
+    <p:sldId id="270" r:id="rId19"/>
+    <p:sldId id="271" r:id="rId20"/>
+    <p:sldId id="272" r:id="rId21"/>
+    <p:sldId id="273" r:id="rId22"/>
+    <p:sldId id="274" r:id="rId23"/>
   </p:sldIdLst>
   <p:sldSz cx="10077450" cy="5668963"/>
   <p:notesSz cx="7772400" cy="10058400"/>
@@ -28,6 +33,129 @@
 </file>
 
 <file path=ppt/slideLayouts/slideLayout1.xml><?xml version="1.0" encoding="utf-8"?>
+<p:sldLayout xmlns:a="http://schemas.openxmlformats.org/drawingml/2006/main" xmlns:p="http://schemas.openxmlformats.org/presentationml/2006/main" xmlns:r="http://schemas.openxmlformats.org/officeDocument/2006/relationships" xmlns:p14="http://schemas.microsoft.com/office/powerpoint/2010/main" xmlns:p15="http://schemas.microsoft.com/office/powerpoint/2012/main" xmlns:mc="http://schemas.openxmlformats.org/markup-compatibility/2006" type="titleOnly" preserve="1">
+  <p:cSld name="Default">
+    <p:spTree>
+      <p:nvGrpSpPr>
+        <p:cNvPr id="1" name=""/>
+        <p:cNvGrpSpPr/>
+        <p:nvPr/>
+      </p:nvGrpSpPr>
+      <p:grpSpPr>
+        <a:xfrm>
+          <a:off x="0" y="0"/>
+          <a:ext cx="0" cy="0"/>
+          <a:chOff x="0" y="0"/>
+          <a:chExt cx="0" cy="0"/>
+        </a:xfrm>
+      </p:grpSpPr>
+      <p:sp>
+        <p:nvSpPr>
+          <p:cNvPr id="5" name="PlaceHolder 1"/>
+          <p:cNvSpPr>
+            <a:spLocks noGrp="1"/>
+          </p:cNvSpPr>
+          <p:nvPr>
+            <p:ph type="title"/>
+          </p:nvPr>
+        </p:nvSpPr>
+        <p:spPr>
+          <a:xfrm>
+            <a:off x="503640" y="225720"/>
+            <a:ext cx="9068400" cy="946080"/>
+          </a:xfrm>
+          <a:prstGeom prst="rect">
+            <a:avLst/>
+          </a:prstGeom>
+          <a:noFill/>
+          <a:ln w="0">
+            <a:noFill/>
+          </a:ln>
+        </p:spPr>
+        <p:txBody>
+          <a:bodyPr lIns="0" rIns="0" tIns="0" bIns="0" anchor="ctr">
+            <a:noAutofit/>
+          </a:bodyPr>
+          <a:p>
+            <a:pPr indent="0" algn="ctr">
+              <a:buNone/>
+            </a:pPr>
+            <a:endParaRPr b="0" lang="en-US" sz="4400" spc="-1" strike="noStrike">
+              <a:solidFill>
+                <a:srgbClr val="000000"/>
+              </a:solidFill>
+              <a:latin typeface="Arial"/>
+            </a:endParaRPr>
+          </a:p>
+        </p:txBody>
+      </p:sp>
+      <p:sp>
+        <p:nvSpPr>
+          <p:cNvPr id="3" name="PlaceHolder 2"/>
+          <p:cNvSpPr>
+            <a:spLocks noGrp="1"/>
+          </p:cNvSpPr>
+          <p:nvPr>
+            <p:ph type="ftr" idx="1"/>
+          </p:nvPr>
+        </p:nvSpPr>
+        <p:spPr/>
+        <p:txBody>
+          <a:bodyPr/>
+          <a:p>
+            <a:r>
+              <a:t>Footer</a:t>
+            </a:r>
+          </a:p>
+        </p:txBody>
+      </p:sp>
+      <p:sp>
+        <p:nvSpPr>
+          <p:cNvPr id="4" name="PlaceHolder 3"/>
+          <p:cNvSpPr>
+            <a:spLocks noGrp="1"/>
+          </p:cNvSpPr>
+          <p:nvPr>
+            <p:ph type="sldNum" idx="2"/>
+          </p:nvPr>
+        </p:nvSpPr>
+        <p:spPr/>
+        <p:txBody>
+          <a:bodyPr/>
+          <a:p>
+            <a:fld id="{83AD7605-04A1-40FD-A787-74D8A077400D}" type="slidenum">
+              <a:t>&lt;#&gt;</a:t>
+            </a:fld>
+          </a:p>
+        </p:txBody>
+      </p:sp>
+      <p:sp>
+        <p:nvSpPr>
+          <p:cNvPr id="5" name="PlaceHolder 4"/>
+          <p:cNvSpPr>
+            <a:spLocks noGrp="1"/>
+          </p:cNvSpPr>
+          <p:nvPr>
+            <p:ph type="dt" idx="3"/>
+          </p:nvPr>
+        </p:nvSpPr>
+        <p:spPr/>
+        <p:txBody>
+          <a:bodyPr/>
+          <a:p>
+            <a:r>
+              <a:rPr lang="en-US"/>
+              <a:t/>
+            </a:r>
+          </a:p>
+        </p:txBody>
+      </p:sp>
+    </p:spTree>
+  </p:cSld>
+</p:sldLayout>
+</file>
+
+<file path=ppt/slideLayouts/slideLayout2.xml><?xml version="1.0" encoding="utf-8"?>
 <p:sldLayout xmlns:a="http://schemas.openxmlformats.org/drawingml/2006/main" xmlns:p="http://schemas.openxmlformats.org/presentationml/2006/main" xmlns:r="http://schemas.openxmlformats.org/officeDocument/2006/relationships" xmlns:p14="http://schemas.microsoft.com/office/powerpoint/2010/main" xmlns:p15="http://schemas.microsoft.com/office/powerpoint/2012/main" xmlns:mc="http://schemas.openxmlformats.org/markup-compatibility/2006" type="blank" preserve="1">
   <p:cSld name="Default">
     <p:spTree>
@@ -51,7 +179,7 @@
             <a:spLocks noGrp="1"/>
           </p:cNvSpPr>
           <p:nvPr>
-            <p:ph type="ftr" idx="2"/>
+            <p:ph type="ftr" idx="1"/>
           </p:nvPr>
         </p:nvSpPr>
         <p:spPr/>
@@ -71,14 +199,14 @@
             <a:spLocks noGrp="1"/>
           </p:cNvSpPr>
           <p:nvPr>
-            <p:ph type="sldNum" idx="3"/>
+            <p:ph type="sldNum" idx="2"/>
           </p:nvPr>
         </p:nvSpPr>
         <p:spPr/>
         <p:txBody>
           <a:bodyPr/>
           <a:p>
-            <a:fld id="{AB3DA4BC-2ECB-4567-842A-CD316349BACC}" type="slidenum">
+            <a:fld id="{C56784CA-BC29-416B-ACA0-42D142F3BBF5}" type="slidenum">
               <a:t>&lt;#&gt;</a:t>
             </a:fld>
           </a:p>
@@ -91,7 +219,7 @@
             <a:spLocks noGrp="1"/>
           </p:cNvSpPr>
           <p:nvPr>
-            <p:ph type="dt" idx="1"/>
+            <p:ph type="dt" idx="3"/>
           </p:nvPr>
         </p:nvSpPr>
         <p:spPr/>
@@ -110,9 +238,9 @@
 </p:sldLayout>
 </file>
 
-<file path=ppt/slideLayouts/slideLayout2.xml><?xml version="1.0" encoding="utf-8"?>
+<file path=ppt/slideLayouts/slideLayout3.xml><?xml version="1.0" encoding="utf-8"?>
 <p:sldLayout xmlns:a="http://schemas.openxmlformats.org/drawingml/2006/main" xmlns:p="http://schemas.openxmlformats.org/presentationml/2006/main" xmlns:r="http://schemas.openxmlformats.org/officeDocument/2006/relationships" xmlns:p14="http://schemas.microsoft.com/office/powerpoint/2010/main" xmlns:p15="http://schemas.microsoft.com/office/powerpoint/2012/main" xmlns:mc="http://schemas.openxmlformats.org/markup-compatibility/2006" type="tx" preserve="1">
-  <p:cSld name="Default">
+  <p:cSld name="Default 1">
     <p:spTree>
       <p:nvGrpSpPr>
         <p:cNvPr id="1" name=""/>
@@ -129,7 +257,7 @@
       </p:grpSpPr>
       <p:sp>
         <p:nvSpPr>
-          <p:cNvPr id="5" name="PlaceHolder 1"/>
+          <p:cNvPr id="11" name="PlaceHolder 1"/>
           <p:cNvSpPr>
             <a:spLocks noGrp="1"/>
           </p:cNvSpPr>
@@ -140,7 +268,7 @@
         <p:spPr>
           <a:xfrm>
             <a:off x="503640" y="225720"/>
-            <a:ext cx="9068760" cy="946440"/>
+            <a:ext cx="9068400" cy="946080"/>
           </a:xfrm>
           <a:prstGeom prst="rect">
             <a:avLst/>
@@ -169,7 +297,7 @@
       </p:sp>
       <p:sp>
         <p:nvSpPr>
-          <p:cNvPr id="6" name="PlaceHolder 2"/>
+          <p:cNvPr id="12" name="PlaceHolder 2"/>
           <p:cNvSpPr>
             <a:spLocks noGrp="1"/>
           </p:cNvSpPr>
@@ -180,7 +308,7 @@
         <p:spPr>
           <a:xfrm>
             <a:off x="503640" y="1326240"/>
-            <a:ext cx="9068760" cy="3287880"/>
+            <a:ext cx="9068400" cy="3287520"/>
           </a:xfrm>
           <a:prstGeom prst="rect">
             <a:avLst/>
@@ -197,7 +325,7 @@
           <a:p>
             <a:pPr indent="0">
               <a:spcBef>
-                <a:spcPts val="1414"/>
+                <a:spcPts val="1417"/>
               </a:spcBef>
               <a:buNone/>
             </a:pPr>
@@ -217,7 +345,7 @@
             <a:spLocks noGrp="1"/>
           </p:cNvSpPr>
           <p:nvPr>
-            <p:ph type="ftr" idx="2"/>
+            <p:ph type="ftr" idx="4"/>
           </p:nvPr>
         </p:nvSpPr>
         <p:spPr/>
@@ -237,14 +365,14 @@
             <a:spLocks noGrp="1"/>
           </p:cNvSpPr>
           <p:nvPr>
-            <p:ph type="sldNum" idx="3"/>
+            <p:ph type="sldNum" idx="5"/>
           </p:nvPr>
         </p:nvSpPr>
         <p:spPr/>
         <p:txBody>
           <a:bodyPr/>
           <a:p>
-            <a:fld id="{E0948485-EF83-411A-AB06-3CD40C4E3B16}" type="slidenum">
+            <a:fld id="{A3E59D2D-FFD6-4730-93AF-35C309E22AD6}" type="slidenum">
               <a:t>&lt;#&gt;</a:t>
             </a:fld>
           </a:p>
@@ -257,7 +385,7 @@
             <a:spLocks noGrp="1"/>
           </p:cNvSpPr>
           <p:nvPr>
-            <p:ph type="dt" idx="1"/>
+            <p:ph type="dt" idx="6"/>
           </p:nvPr>
         </p:nvSpPr>
         <p:spPr/>
@@ -276,9 +404,9 @@
 </p:sldLayout>
 </file>
 
-<file path=ppt/slideLayouts/slideLayout3.xml><?xml version="1.0" encoding="utf-8"?>
+<file path=ppt/slideLayouts/slideLayout4.xml><?xml version="1.0" encoding="utf-8"?>
 <p:sldLayout xmlns:a="http://schemas.openxmlformats.org/drawingml/2006/main" xmlns:p="http://schemas.openxmlformats.org/presentationml/2006/main" xmlns:r="http://schemas.openxmlformats.org/officeDocument/2006/relationships" xmlns:p14="http://schemas.microsoft.com/office/powerpoint/2010/main" xmlns:p15="http://schemas.microsoft.com/office/powerpoint/2012/main" xmlns:mc="http://schemas.openxmlformats.org/markup-compatibility/2006" type="title" preserve="1">
-  <p:cSld name="Default">
+  <p:cSld name="Default 2">
     <p:spTree>
       <p:nvGrpSpPr>
         <p:cNvPr id="1" name=""/>
@@ -295,7 +423,7 @@
       </p:grpSpPr>
       <p:sp>
         <p:nvSpPr>
-          <p:cNvPr id="7" name="PlaceHolder 1"/>
+          <p:cNvPr id="18" name="PlaceHolder 1"/>
           <p:cNvSpPr>
             <a:spLocks noGrp="1"/>
           </p:cNvSpPr>
@@ -306,7 +434,7 @@
         <p:spPr>
           <a:xfrm>
             <a:off x="503640" y="225720"/>
-            <a:ext cx="9068760" cy="946440"/>
+            <a:ext cx="9068400" cy="946080"/>
           </a:xfrm>
           <a:prstGeom prst="rect">
             <a:avLst/>
@@ -335,7 +463,7 @@
       </p:sp>
       <p:sp>
         <p:nvSpPr>
-          <p:cNvPr id="8" name="PlaceHolder 2"/>
+          <p:cNvPr id="19" name="PlaceHolder 2"/>
           <p:cNvSpPr>
             <a:spLocks noGrp="1"/>
           </p:cNvSpPr>
@@ -346,7 +474,7 @@
         <p:spPr>
           <a:xfrm>
             <a:off x="503640" y="1326240"/>
-            <a:ext cx="9068760" cy="3287880"/>
+            <a:ext cx="9068400" cy="3287520"/>
           </a:xfrm>
           <a:prstGeom prst="rect">
             <a:avLst/>
@@ -380,7 +508,7 @@
             <a:spLocks noGrp="1"/>
           </p:cNvSpPr>
           <p:nvPr>
-            <p:ph type="ftr" idx="2"/>
+            <p:ph type="ftr" idx="7"/>
           </p:nvPr>
         </p:nvSpPr>
         <p:spPr/>
@@ -400,14 +528,14 @@
             <a:spLocks noGrp="1"/>
           </p:cNvSpPr>
           <p:nvPr>
-            <p:ph type="sldNum" idx="3"/>
+            <p:ph type="sldNum" idx="8"/>
           </p:nvPr>
         </p:nvSpPr>
         <p:spPr/>
         <p:txBody>
           <a:bodyPr/>
           <a:p>
-            <a:fld id="{744553F1-593D-4006-B4CF-B4BA87240F2B}" type="slidenum">
+            <a:fld id="{243DC3D1-54B3-46C1-B077-AA6F98FC276C}" type="slidenum">
               <a:t>&lt;#&gt;</a:t>
             </a:fld>
           </a:p>
@@ -420,7 +548,7 @@
             <a:spLocks noGrp="1"/>
           </p:cNvSpPr>
           <p:nvPr>
-            <p:ph type="dt" idx="1"/>
+            <p:ph type="dt" idx="9"/>
           </p:nvPr>
         </p:nvSpPr>
         <p:spPr/>
@@ -463,13 +591,13 @@
             <a:spLocks noGrp="1"/>
           </p:cNvSpPr>
           <p:nvPr>
-            <p:ph type="title"/>
+            <p:ph type="ftr" idx="1"/>
           </p:nvPr>
         </p:nvSpPr>
         <p:spPr>
           <a:xfrm>
-            <a:off x="503640" y="225720"/>
-            <a:ext cx="9068760" cy="946440"/>
+            <a:off x="3445920" y="5164560"/>
+            <a:ext cx="3193560" cy="390240"/>
           </a:xfrm>
           <a:prstGeom prst="rect">
             <a:avLst/>
@@ -480,27 +608,50 @@
           </a:ln>
         </p:spPr>
         <p:txBody>
-          <a:bodyPr lIns="0" rIns="0" tIns="0" bIns="0" anchor="ctr">
+          <a:bodyPr lIns="0" rIns="0" tIns="0" bIns="0" anchor="t">
             <a:noAutofit/>
           </a:bodyPr>
+          <a:lstStyle>
+            <a:lvl1pPr indent="0" algn="ctr">
+              <a:lnSpc>
+                <a:spcPct val="100000"/>
+              </a:lnSpc>
+              <a:buNone/>
+              <a:tabLst>
+                <a:tab algn="l" pos="0"/>
+              </a:tabLst>
+              <a:defRPr b="0" lang="en-US" sz="1400" spc="-1" strike="noStrike">
+                <a:solidFill>
+                  <a:srgbClr val="000000"/>
+                </a:solidFill>
+                <a:latin typeface="Times New Roman"/>
+              </a:defRPr>
+            </a:lvl1pPr>
+          </a:lstStyle>
           <a:p>
             <a:pPr indent="0" algn="ctr">
+              <a:lnSpc>
+                <a:spcPct val="100000"/>
+              </a:lnSpc>
               <a:buNone/>
-            </a:pPr>
-            <a:r>
-              <a:rPr b="0" lang="en-US" sz="4400" spc="-1" strike="noStrike">
-                <a:solidFill>
-                  <a:srgbClr val="000000"/>
-                </a:solidFill>
-                <a:latin typeface="Arial"/>
-              </a:rPr>
-              <a:t>Click to edit the title text format</a:t>
-            </a:r>
-            <a:endParaRPr b="0" lang="en-US" sz="4400" spc="-1" strike="noStrike">
-              <a:solidFill>
-                <a:srgbClr val="000000"/>
-              </a:solidFill>
-              <a:latin typeface="Arial"/>
+              <a:tabLst>
+                <a:tab algn="l" pos="0"/>
+              </a:tabLst>
+            </a:pPr>
+            <a:r>
+              <a:rPr b="0" lang="en-US" sz="1400" spc="-1" strike="noStrike">
+                <a:solidFill>
+                  <a:srgbClr val="000000"/>
+                </a:solidFill>
+                <a:latin typeface="Times New Roman"/>
+              </a:rPr>
+              <a:t>&lt;footer&gt;</a:t>
+            </a:r>
+            <a:endParaRPr b="0" lang="en-US" sz="1400" spc="-1" strike="noStrike">
+              <a:solidFill>
+                <a:srgbClr val="000000"/>
+              </a:solidFill>
+              <a:latin typeface="Times New Roman"/>
             </a:endParaRPr>
           </a:p>
         </p:txBody>
@@ -512,13 +663,13 @@
             <a:spLocks noGrp="1"/>
           </p:cNvSpPr>
           <p:nvPr>
-            <p:ph type="body"/>
+            <p:ph type="sldNum" idx="2"/>
           </p:nvPr>
         </p:nvSpPr>
         <p:spPr>
           <a:xfrm>
-            <a:off x="503640" y="1326240"/>
-            <a:ext cx="9068760" cy="3287880"/>
+            <a:off x="7224840" y="5164560"/>
+            <a:ext cx="2347200" cy="390240"/>
           </a:xfrm>
           <a:prstGeom prst="rect">
             <a:avLst/>
@@ -530,202 +681,49 @@
         </p:spPr>
         <p:txBody>
           <a:bodyPr lIns="0" rIns="0" tIns="0" bIns="0" anchor="t">
-            <a:normAutofit/>
+            <a:noAutofit/>
           </a:bodyPr>
-          <a:p>
-            <a:pPr marL="432000" indent="-324000">
-              <a:spcBef>
-                <a:spcPts val="1414"/>
-              </a:spcBef>
-              <a:buClr>
-                <a:srgbClr val="000000"/>
-              </a:buClr>
-              <a:buSzPct val="45000"/>
-              <a:buFont typeface="Wingdings" charset="2"/>
-              <a:buChar char=""/>
-            </a:pPr>
-            <a:r>
-              <a:rPr b="0" lang="en-US" sz="3200" spc="-1" strike="noStrike">
-                <a:solidFill>
-                  <a:srgbClr val="000000"/>
-                </a:solidFill>
-                <a:latin typeface="Arial"/>
-              </a:rPr>
-              <a:t>Click to edit the outline text format</a:t>
-            </a:r>
-            <a:endParaRPr b="0" lang="en-US" sz="3200" spc="-1" strike="noStrike">
-              <a:solidFill>
-                <a:srgbClr val="000000"/>
-              </a:solidFill>
-              <a:latin typeface="Arial"/>
-            </a:endParaRPr>
-          </a:p>
-          <a:p>
-            <a:pPr lvl="1" marL="864000" indent="-324000">
-              <a:spcBef>
-                <a:spcPts val="1131"/>
-              </a:spcBef>
-              <a:buClr>
-                <a:srgbClr val="000000"/>
-              </a:buClr>
-              <a:buSzPct val="75000"/>
-              <a:buFont typeface="Symbol" charset="2"/>
-              <a:buChar char=""/>
-            </a:pPr>
-            <a:r>
-              <a:rPr b="0" lang="en-US" sz="2800" spc="-1" strike="noStrike">
-                <a:solidFill>
-                  <a:srgbClr val="000000"/>
-                </a:solidFill>
-                <a:latin typeface="Arial"/>
-              </a:rPr>
-              <a:t>Second Outline Level</a:t>
-            </a:r>
-            <a:endParaRPr b="0" lang="en-US" sz="2800" spc="-1" strike="noStrike">
-              <a:solidFill>
-                <a:srgbClr val="000000"/>
-              </a:solidFill>
-              <a:latin typeface="Arial"/>
-            </a:endParaRPr>
-          </a:p>
-          <a:p>
-            <a:pPr lvl="2" marL="1296000" indent="-288000">
-              <a:spcBef>
-                <a:spcPts val="848"/>
-              </a:spcBef>
-              <a:buClr>
-                <a:srgbClr val="000000"/>
-              </a:buClr>
-              <a:buSzPct val="45000"/>
-              <a:buFont typeface="Wingdings" charset="2"/>
-              <a:buChar char=""/>
-            </a:pPr>
-            <a:r>
-              <a:rPr b="0" lang="en-US" sz="2400" spc="-1" strike="noStrike">
-                <a:solidFill>
-                  <a:srgbClr val="000000"/>
-                </a:solidFill>
-                <a:latin typeface="Arial"/>
-              </a:rPr>
-              <a:t>Third Outline Level</a:t>
-            </a:r>
-            <a:endParaRPr b="0" lang="en-US" sz="2400" spc="-1" strike="noStrike">
-              <a:solidFill>
-                <a:srgbClr val="000000"/>
-              </a:solidFill>
-              <a:latin typeface="Arial"/>
-            </a:endParaRPr>
-          </a:p>
-          <a:p>
-            <a:pPr lvl="3" marL="1728000" indent="-216000">
-              <a:spcBef>
-                <a:spcPts val="564"/>
-              </a:spcBef>
-              <a:buClr>
-                <a:srgbClr val="000000"/>
-              </a:buClr>
-              <a:buSzPct val="75000"/>
-              <a:buFont typeface="Symbol" charset="2"/>
-              <a:buChar char=""/>
-            </a:pPr>
-            <a:r>
-              <a:rPr b="0" lang="en-US" sz="2000" spc="-1" strike="noStrike">
-                <a:solidFill>
-                  <a:srgbClr val="000000"/>
-                </a:solidFill>
-                <a:latin typeface="Arial"/>
-              </a:rPr>
-              <a:t>Fourth Outline Level</a:t>
-            </a:r>
-            <a:endParaRPr b="0" lang="en-US" sz="2000" spc="-1" strike="noStrike">
-              <a:solidFill>
-                <a:srgbClr val="000000"/>
-              </a:solidFill>
-              <a:latin typeface="Arial"/>
-            </a:endParaRPr>
-          </a:p>
-          <a:p>
-            <a:pPr lvl="4" marL="2160000" indent="-216000">
-              <a:spcBef>
-                <a:spcPts val="281"/>
-              </a:spcBef>
-              <a:buClr>
-                <a:srgbClr val="000000"/>
-              </a:buClr>
-              <a:buSzPct val="45000"/>
-              <a:buFont typeface="Wingdings" charset="2"/>
-              <a:buChar char=""/>
-            </a:pPr>
-            <a:r>
-              <a:rPr b="0" lang="en-US" sz="2000" spc="-1" strike="noStrike">
-                <a:solidFill>
-                  <a:srgbClr val="000000"/>
-                </a:solidFill>
-                <a:latin typeface="Arial"/>
-              </a:rPr>
-              <a:t>Fifth Outline Level</a:t>
-            </a:r>
-            <a:endParaRPr b="0" lang="en-US" sz="2000" spc="-1" strike="noStrike">
-              <a:solidFill>
-                <a:srgbClr val="000000"/>
-              </a:solidFill>
-              <a:latin typeface="Arial"/>
-            </a:endParaRPr>
-          </a:p>
-          <a:p>
-            <a:pPr lvl="5" marL="2592000" indent="-216000">
-              <a:spcBef>
-                <a:spcPts val="281"/>
-              </a:spcBef>
-              <a:buClr>
-                <a:srgbClr val="000000"/>
-              </a:buClr>
-              <a:buSzPct val="45000"/>
-              <a:buFont typeface="Wingdings" charset="2"/>
-              <a:buChar char=""/>
-            </a:pPr>
-            <a:r>
-              <a:rPr b="0" lang="en-US" sz="2000" spc="-1" strike="noStrike">
-                <a:solidFill>
-                  <a:srgbClr val="000000"/>
-                </a:solidFill>
-                <a:latin typeface="Arial"/>
-              </a:rPr>
-              <a:t>Sixth Outline Level</a:t>
-            </a:r>
-            <a:endParaRPr b="0" lang="en-US" sz="2000" spc="-1" strike="noStrike">
-              <a:solidFill>
-                <a:srgbClr val="000000"/>
-              </a:solidFill>
-              <a:latin typeface="Arial"/>
-            </a:endParaRPr>
-          </a:p>
-          <a:p>
-            <a:pPr lvl="6" marL="3024000" indent="-216000">
-              <a:spcBef>
-                <a:spcPts val="281"/>
-              </a:spcBef>
-              <a:buClr>
-                <a:srgbClr val="000000"/>
-              </a:buClr>
-              <a:buSzPct val="45000"/>
-              <a:buFont typeface="Wingdings" charset="2"/>
-              <a:buChar char=""/>
-            </a:pPr>
-            <a:r>
-              <a:rPr b="0" lang="en-US" sz="2000" spc="-1" strike="noStrike">
-                <a:solidFill>
-                  <a:srgbClr val="000000"/>
-                </a:solidFill>
-                <a:latin typeface="Arial"/>
-              </a:rPr>
-              <a:t>Seventh Outline Level</a:t>
-            </a:r>
-            <a:endParaRPr b="0" lang="en-US" sz="2000" spc="-1" strike="noStrike">
-              <a:solidFill>
-                <a:srgbClr val="000000"/>
-              </a:solidFill>
-              <a:latin typeface="Arial"/>
+          <a:lstStyle>
+            <a:lvl1pPr indent="0" algn="r">
+              <a:lnSpc>
+                <a:spcPct val="100000"/>
+              </a:lnSpc>
+              <a:buNone/>
+              <a:tabLst>
+                <a:tab algn="l" pos="0"/>
+              </a:tabLst>
+              <a:defRPr b="0" lang="en-US" sz="1400" spc="-1" strike="noStrike">
+                <a:solidFill>
+                  <a:srgbClr val="000000"/>
+                </a:solidFill>
+                <a:latin typeface="Times New Roman"/>
+              </a:defRPr>
+            </a:lvl1pPr>
+          </a:lstStyle>
+          <a:p>
+            <a:pPr indent="0" algn="r">
+              <a:lnSpc>
+                <a:spcPct val="100000"/>
+              </a:lnSpc>
+              <a:buNone/>
+              <a:tabLst>
+                <a:tab algn="l" pos="0"/>
+              </a:tabLst>
+            </a:pPr>
+            <a:fld id="{D9E1BC2F-CDBF-4961-909F-5731A852093A}" type="slidenum">
+              <a:rPr b="0" lang="en-US" sz="1400" spc="-1" strike="noStrike">
+                <a:solidFill>
+                  <a:srgbClr val="000000"/>
+                </a:solidFill>
+                <a:latin typeface="Times New Roman"/>
+              </a:rPr>
+              <a:t>&lt;number&gt;</a:t>
+            </a:fld>
+            <a:endParaRPr b="0" lang="en-US" sz="1400" spc="-1" strike="noStrike">
+              <a:solidFill>
+                <a:srgbClr val="000000"/>
+              </a:solidFill>
+              <a:latin typeface="Times New Roman"/>
             </a:endParaRPr>
           </a:p>
         </p:txBody>
@@ -737,13 +735,13 @@
             <a:spLocks noGrp="1"/>
           </p:cNvSpPr>
           <p:nvPr>
-            <p:ph type="dt" idx="1"/>
+            <p:ph type="dt" idx="3"/>
           </p:nvPr>
         </p:nvSpPr>
         <p:spPr>
           <a:xfrm>
             <a:off x="503640" y="5164560"/>
-            <a:ext cx="2347560" cy="390600"/>
+            <a:ext cx="2347200" cy="390240"/>
           </a:xfrm>
           <a:prstGeom prst="rect">
             <a:avLst/>
@@ -797,13 +795,13 @@
             <a:spLocks noGrp="1"/>
           </p:cNvSpPr>
           <p:nvPr>
-            <p:ph type="ftr" idx="2"/>
+            <p:ph type="title"/>
           </p:nvPr>
         </p:nvSpPr>
         <p:spPr>
           <a:xfrm>
-            <a:off x="3445920" y="5164560"/>
-            <a:ext cx="3193920" cy="390600"/>
+            <a:off x="503640" y="226080"/>
+            <a:ext cx="9069120" cy="946080"/>
           </a:xfrm>
           <a:prstGeom prst="rect">
             <a:avLst/>
@@ -814,38 +812,27 @@
           </a:ln>
         </p:spPr>
         <p:txBody>
-          <a:bodyPr lIns="0" rIns="0" tIns="0" bIns="0" anchor="t">
+          <a:bodyPr lIns="0" rIns="0" tIns="0" bIns="0" anchor="ctr">
             <a:noAutofit/>
           </a:bodyPr>
-          <a:lstStyle>
-            <a:lvl1pPr indent="0" algn="ctr">
-              <a:buNone/>
-              <a:defRPr b="0" lang="en-US" sz="1400" spc="-1" strike="noStrike">
-                <a:solidFill>
-                  <a:srgbClr val="000000"/>
-                </a:solidFill>
-                <a:latin typeface="Times New Roman"/>
-              </a:defRPr>
-            </a:lvl1pPr>
-          </a:lstStyle>
           <a:p>
             <a:pPr indent="0" algn="ctr">
               <a:buNone/>
             </a:pPr>
             <a:r>
-              <a:rPr b="0" lang="en-US" sz="1400" spc="-1" strike="noStrike">
-                <a:solidFill>
-                  <a:srgbClr val="000000"/>
-                </a:solidFill>
-                <a:latin typeface="Times New Roman"/>
-              </a:rPr>
-              <a:t>&lt;footer&gt;</a:t>
-            </a:r>
-            <a:endParaRPr b="0" lang="en-US" sz="1400" spc="-1" strike="noStrike">
-              <a:solidFill>
-                <a:srgbClr val="000000"/>
-              </a:solidFill>
-              <a:latin typeface="Times New Roman"/>
+              <a:rPr b="0" lang="en-US" sz="4400" spc="-1" strike="noStrike">
+                <a:solidFill>
+                  <a:srgbClr val="000000"/>
+                </a:solidFill>
+                <a:latin typeface="Arial"/>
+              </a:rPr>
+              <a:t>Click to edit the title text format</a:t>
+            </a:r>
+            <a:endParaRPr b="0" lang="en-US" sz="4400" spc="-1" strike="noStrike">
+              <a:solidFill>
+                <a:srgbClr val="000000"/>
+              </a:solidFill>
+              <a:latin typeface="Arial"/>
             </a:endParaRPr>
           </a:p>
         </p:txBody>
@@ -857,13 +844,13 @@
             <a:spLocks noGrp="1"/>
           </p:cNvSpPr>
           <p:nvPr>
-            <p:ph type="sldNum" idx="3"/>
+            <p:ph type="body"/>
           </p:nvPr>
         </p:nvSpPr>
         <p:spPr>
           <a:xfrm>
-            <a:off x="7224840" y="5164560"/>
-            <a:ext cx="2347560" cy="390600"/>
+            <a:off x="503640" y="1326240"/>
+            <a:ext cx="9069120" cy="3287520"/>
           </a:xfrm>
           <a:prstGeom prst="rect">
             <a:avLst/>
@@ -875,37 +862,202 @@
         </p:spPr>
         <p:txBody>
           <a:bodyPr lIns="0" rIns="0" tIns="0" bIns="0" anchor="t">
-            <a:noAutofit/>
+            <a:normAutofit/>
           </a:bodyPr>
-          <a:lstStyle>
-            <a:lvl1pPr indent="0" algn="r">
-              <a:buNone/>
-              <a:defRPr b="0" lang="en-US" sz="1400" spc="-1" strike="noStrike">
-                <a:solidFill>
-                  <a:srgbClr val="000000"/>
-                </a:solidFill>
-                <a:latin typeface="Times New Roman"/>
-              </a:defRPr>
-            </a:lvl1pPr>
-          </a:lstStyle>
-          <a:p>
-            <a:pPr indent="0" algn="r">
-              <a:buNone/>
-            </a:pPr>
-            <a:fld id="{38B8BA0D-1558-4EA0-AAA5-750A34CCBA44}" type="slidenum">
-              <a:rPr b="0" lang="en-US" sz="1400" spc="-1" strike="noStrike">
-                <a:solidFill>
-                  <a:srgbClr val="000000"/>
-                </a:solidFill>
-                <a:latin typeface="Times New Roman"/>
-              </a:rPr>
-              <a:t>&lt;number&gt;</a:t>
-            </a:fld>
-            <a:endParaRPr b="0" lang="en-US" sz="1400" spc="-1" strike="noStrike">
-              <a:solidFill>
-                <a:srgbClr val="000000"/>
-              </a:solidFill>
-              <a:latin typeface="Times New Roman"/>
+          <a:p>
+            <a:pPr marL="432000" indent="-324000">
+              <a:spcBef>
+                <a:spcPts val="1417"/>
+              </a:spcBef>
+              <a:buClr>
+                <a:srgbClr val="000000"/>
+              </a:buClr>
+              <a:buSzPct val="45000"/>
+              <a:buFont typeface="Wingdings" charset="2"/>
+              <a:buChar char=""/>
+            </a:pPr>
+            <a:r>
+              <a:rPr b="0" lang="en-US" sz="3200" spc="-1" strike="noStrike">
+                <a:solidFill>
+                  <a:srgbClr val="000000"/>
+                </a:solidFill>
+                <a:latin typeface="Arial"/>
+              </a:rPr>
+              <a:t>Click to edit the outline text format</a:t>
+            </a:r>
+            <a:endParaRPr b="0" lang="en-US" sz="3200" spc="-1" strike="noStrike">
+              <a:solidFill>
+                <a:srgbClr val="000000"/>
+              </a:solidFill>
+              <a:latin typeface="Arial"/>
+            </a:endParaRPr>
+          </a:p>
+          <a:p>
+            <a:pPr lvl="1" marL="864000" indent="-324000">
+              <a:spcBef>
+                <a:spcPts val="1134"/>
+              </a:spcBef>
+              <a:buClr>
+                <a:srgbClr val="000000"/>
+              </a:buClr>
+              <a:buSzPct val="75000"/>
+              <a:buFont typeface="Symbol" charset="2"/>
+              <a:buChar char=""/>
+            </a:pPr>
+            <a:r>
+              <a:rPr b="0" lang="en-US" sz="2800" spc="-1" strike="noStrike">
+                <a:solidFill>
+                  <a:srgbClr val="000000"/>
+                </a:solidFill>
+                <a:latin typeface="Arial"/>
+              </a:rPr>
+              <a:t>Second Outline Level</a:t>
+            </a:r>
+            <a:endParaRPr b="0" lang="en-US" sz="2800" spc="-1" strike="noStrike">
+              <a:solidFill>
+                <a:srgbClr val="000000"/>
+              </a:solidFill>
+              <a:latin typeface="Arial"/>
+            </a:endParaRPr>
+          </a:p>
+          <a:p>
+            <a:pPr lvl="2" marL="1296000" indent="-288000">
+              <a:spcBef>
+                <a:spcPts val="850"/>
+              </a:spcBef>
+              <a:buClr>
+                <a:srgbClr val="000000"/>
+              </a:buClr>
+              <a:buSzPct val="45000"/>
+              <a:buFont typeface="Wingdings" charset="2"/>
+              <a:buChar char=""/>
+            </a:pPr>
+            <a:r>
+              <a:rPr b="0" lang="en-US" sz="2400" spc="-1" strike="noStrike">
+                <a:solidFill>
+                  <a:srgbClr val="000000"/>
+                </a:solidFill>
+                <a:latin typeface="Arial"/>
+              </a:rPr>
+              <a:t>Third Outline Level</a:t>
+            </a:r>
+            <a:endParaRPr b="0" lang="en-US" sz="2400" spc="-1" strike="noStrike">
+              <a:solidFill>
+                <a:srgbClr val="000000"/>
+              </a:solidFill>
+              <a:latin typeface="Arial"/>
+            </a:endParaRPr>
+          </a:p>
+          <a:p>
+            <a:pPr lvl="3" marL="1728000" indent="-216000">
+              <a:spcBef>
+                <a:spcPts val="567"/>
+              </a:spcBef>
+              <a:buClr>
+                <a:srgbClr val="000000"/>
+              </a:buClr>
+              <a:buSzPct val="75000"/>
+              <a:buFont typeface="Symbol" charset="2"/>
+              <a:buChar char=""/>
+            </a:pPr>
+            <a:r>
+              <a:rPr b="0" lang="en-US" sz="2000" spc="-1" strike="noStrike">
+                <a:solidFill>
+                  <a:srgbClr val="000000"/>
+                </a:solidFill>
+                <a:latin typeface="Arial"/>
+              </a:rPr>
+              <a:t>Fourth Outline Level</a:t>
+            </a:r>
+            <a:endParaRPr b="0" lang="en-US" sz="2000" spc="-1" strike="noStrike">
+              <a:solidFill>
+                <a:srgbClr val="000000"/>
+              </a:solidFill>
+              <a:latin typeface="Arial"/>
+            </a:endParaRPr>
+          </a:p>
+          <a:p>
+            <a:pPr lvl="4" marL="2160000" indent="-216000">
+              <a:spcBef>
+                <a:spcPts val="283"/>
+              </a:spcBef>
+              <a:buClr>
+                <a:srgbClr val="000000"/>
+              </a:buClr>
+              <a:buSzPct val="45000"/>
+              <a:buFont typeface="Wingdings" charset="2"/>
+              <a:buChar char=""/>
+            </a:pPr>
+            <a:r>
+              <a:rPr b="0" lang="en-US" sz="2000" spc="-1" strike="noStrike">
+                <a:solidFill>
+                  <a:srgbClr val="000000"/>
+                </a:solidFill>
+                <a:latin typeface="Arial"/>
+              </a:rPr>
+              <a:t>Fifth Outline Level</a:t>
+            </a:r>
+            <a:endParaRPr b="0" lang="en-US" sz="2000" spc="-1" strike="noStrike">
+              <a:solidFill>
+                <a:srgbClr val="000000"/>
+              </a:solidFill>
+              <a:latin typeface="Arial"/>
+            </a:endParaRPr>
+          </a:p>
+          <a:p>
+            <a:pPr lvl="5" marL="2592000" indent="-216000">
+              <a:spcBef>
+                <a:spcPts val="283"/>
+              </a:spcBef>
+              <a:buClr>
+                <a:srgbClr val="000000"/>
+              </a:buClr>
+              <a:buSzPct val="45000"/>
+              <a:buFont typeface="Wingdings" charset="2"/>
+              <a:buChar char=""/>
+            </a:pPr>
+            <a:r>
+              <a:rPr b="0" lang="en-US" sz="2000" spc="-1" strike="noStrike">
+                <a:solidFill>
+                  <a:srgbClr val="000000"/>
+                </a:solidFill>
+                <a:latin typeface="Arial"/>
+              </a:rPr>
+              <a:t>Sixth Outline Level</a:t>
+            </a:r>
+            <a:endParaRPr b="0" lang="en-US" sz="2000" spc="-1" strike="noStrike">
+              <a:solidFill>
+                <a:srgbClr val="000000"/>
+              </a:solidFill>
+              <a:latin typeface="Arial"/>
+            </a:endParaRPr>
+          </a:p>
+          <a:p>
+            <a:pPr lvl="6" marL="3024000" indent="-216000">
+              <a:spcBef>
+                <a:spcPts val="283"/>
+              </a:spcBef>
+              <a:buClr>
+                <a:srgbClr val="000000"/>
+              </a:buClr>
+              <a:buSzPct val="45000"/>
+              <a:buFont typeface="Wingdings" charset="2"/>
+              <a:buChar char=""/>
+            </a:pPr>
+            <a:r>
+              <a:rPr b="0" lang="en-US" sz="2000" spc="-1" strike="noStrike">
+                <a:solidFill>
+                  <a:srgbClr val="000000"/>
+                </a:solidFill>
+                <a:latin typeface="Arial"/>
+              </a:rPr>
+              <a:t>Seventh Outline Level</a:t>
+            </a:r>
+            <a:endParaRPr b="0" lang="en-US" sz="2000" spc="-1" strike="noStrike">
+              <a:solidFill>
+                <a:srgbClr val="000000"/>
+              </a:solidFill>
+              <a:latin typeface="Arial"/>
             </a:endParaRPr>
           </a:p>
         </p:txBody>
@@ -916,7 +1068,1014 @@
   <p:sldLayoutIdLst>
     <p:sldLayoutId id="2147483649" r:id="rId2"/>
     <p:sldLayoutId id="2147483650" r:id="rId3"/>
-    <p:sldLayoutId id="2147483651" r:id="rId4"/>
+  </p:sldLayoutIdLst>
+</p:sldMaster>
+</file>
+
+<file path=ppt/slideMasters/slideMaster2.xml><?xml version="1.0" encoding="utf-8"?>
+<p:sldMaster xmlns:a="http://schemas.openxmlformats.org/drawingml/2006/main" xmlns:p="http://schemas.openxmlformats.org/presentationml/2006/main" xmlns:r="http://schemas.openxmlformats.org/officeDocument/2006/relationships" xmlns:p14="http://schemas.microsoft.com/office/powerpoint/2010/main" xmlns:p15="http://schemas.microsoft.com/office/powerpoint/2012/main" xmlns:mc="http://schemas.openxmlformats.org/markup-compatibility/2006">
+  <p:cSld>
+    <p:spTree>
+      <p:nvGrpSpPr>
+        <p:cNvPr id="1" name=""/>
+        <p:cNvGrpSpPr/>
+        <p:nvPr/>
+      </p:nvGrpSpPr>
+      <p:grpSpPr>
+        <a:xfrm>
+          <a:off x="0" y="0"/>
+          <a:ext cx="0" cy="0"/>
+          <a:chOff x="0" y="0"/>
+          <a:chExt cx="0" cy="0"/>
+        </a:xfrm>
+      </p:grpSpPr>
+      <p:sp>
+        <p:nvSpPr>
+          <p:cNvPr id="6" name="PlaceHolder 1"/>
+          <p:cNvSpPr>
+            <a:spLocks noGrp="1"/>
+          </p:cNvSpPr>
+          <p:nvPr>
+            <p:ph type="title"/>
+          </p:nvPr>
+        </p:nvSpPr>
+        <p:spPr>
+          <a:xfrm>
+            <a:off x="503640" y="225720"/>
+            <a:ext cx="9068400" cy="946080"/>
+          </a:xfrm>
+          <a:prstGeom prst="rect">
+            <a:avLst/>
+          </a:prstGeom>
+          <a:noFill/>
+          <a:ln w="0">
+            <a:noFill/>
+          </a:ln>
+        </p:spPr>
+        <p:txBody>
+          <a:bodyPr lIns="0" rIns="0" tIns="0" bIns="0" anchor="ctr">
+            <a:noAutofit/>
+          </a:bodyPr>
+          <a:p>
+            <a:pPr indent="0">
+              <a:buNone/>
+            </a:pPr>
+            <a:r>
+              <a:rPr b="0" lang="en-US" sz="1800" spc="-1" strike="noStrike">
+                <a:solidFill>
+                  <a:srgbClr val="000000"/>
+                </a:solidFill>
+                <a:latin typeface="Arial"/>
+              </a:rPr>
+              <a:t>Click to edit the title text format</a:t>
+            </a:r>
+            <a:endParaRPr b="0" lang="en-US" sz="1800" spc="-1" strike="noStrike">
+              <a:solidFill>
+                <a:srgbClr val="000000"/>
+              </a:solidFill>
+              <a:latin typeface="Arial"/>
+            </a:endParaRPr>
+          </a:p>
+        </p:txBody>
+      </p:sp>
+      <p:sp>
+        <p:nvSpPr>
+          <p:cNvPr id="7" name="PlaceHolder 2"/>
+          <p:cNvSpPr>
+            <a:spLocks noGrp="1"/>
+          </p:cNvSpPr>
+          <p:nvPr>
+            <p:ph type="body"/>
+          </p:nvPr>
+        </p:nvSpPr>
+        <p:spPr>
+          <a:xfrm>
+            <a:off x="503640" y="1326240"/>
+            <a:ext cx="9068400" cy="3287520"/>
+          </a:xfrm>
+          <a:prstGeom prst="rect">
+            <a:avLst/>
+          </a:prstGeom>
+          <a:noFill/>
+          <a:ln w="0">
+            <a:noFill/>
+          </a:ln>
+        </p:spPr>
+        <p:txBody>
+          <a:bodyPr lIns="0" rIns="0" tIns="0" bIns="0" anchor="t">
+            <a:normAutofit/>
+          </a:bodyPr>
+          <a:p>
+            <a:pPr marL="432000" indent="-324000">
+              <a:spcBef>
+                <a:spcPts val="1417"/>
+              </a:spcBef>
+              <a:buClr>
+                <a:srgbClr val="000000"/>
+              </a:buClr>
+              <a:buSzPct val="45000"/>
+              <a:buFont typeface="Wingdings" charset="2"/>
+              <a:buChar char=""/>
+            </a:pPr>
+            <a:r>
+              <a:rPr b="0" lang="en-US" sz="1800" spc="-1" strike="noStrike">
+                <a:solidFill>
+                  <a:srgbClr val="000000"/>
+                </a:solidFill>
+                <a:latin typeface="Arial"/>
+              </a:rPr>
+              <a:t>Click to edit the outline text format</a:t>
+            </a:r>
+            <a:endParaRPr b="0" lang="en-US" sz="1800" spc="-1" strike="noStrike">
+              <a:solidFill>
+                <a:srgbClr val="000000"/>
+              </a:solidFill>
+              <a:latin typeface="Arial"/>
+            </a:endParaRPr>
+          </a:p>
+          <a:p>
+            <a:pPr lvl="1" marL="864000" indent="-324000">
+              <a:spcBef>
+                <a:spcPts val="1134"/>
+              </a:spcBef>
+              <a:buClr>
+                <a:srgbClr val="000000"/>
+              </a:buClr>
+              <a:buSzPct val="75000"/>
+              <a:buFont typeface="Symbol" charset="2"/>
+              <a:buChar char=""/>
+            </a:pPr>
+            <a:r>
+              <a:rPr b="0" lang="en-US" sz="1800" spc="-1" strike="noStrike">
+                <a:solidFill>
+                  <a:srgbClr val="000000"/>
+                </a:solidFill>
+                <a:latin typeface="Arial"/>
+              </a:rPr>
+              <a:t>Second Outline Level</a:t>
+            </a:r>
+            <a:endParaRPr b="0" lang="en-US" sz="1800" spc="-1" strike="noStrike">
+              <a:solidFill>
+                <a:srgbClr val="000000"/>
+              </a:solidFill>
+              <a:latin typeface="Arial"/>
+            </a:endParaRPr>
+          </a:p>
+          <a:p>
+            <a:pPr lvl="2" marL="1296000" indent="-288000">
+              <a:spcBef>
+                <a:spcPts val="850"/>
+              </a:spcBef>
+              <a:buClr>
+                <a:srgbClr val="000000"/>
+              </a:buClr>
+              <a:buSzPct val="45000"/>
+              <a:buFont typeface="Wingdings" charset="2"/>
+              <a:buChar char=""/>
+            </a:pPr>
+            <a:r>
+              <a:rPr b="0" lang="en-US" sz="1800" spc="-1" strike="noStrike">
+                <a:solidFill>
+                  <a:srgbClr val="000000"/>
+                </a:solidFill>
+                <a:latin typeface="Arial"/>
+              </a:rPr>
+              <a:t>Third Outline Level</a:t>
+            </a:r>
+            <a:endParaRPr b="0" lang="en-US" sz="1800" spc="-1" strike="noStrike">
+              <a:solidFill>
+                <a:srgbClr val="000000"/>
+              </a:solidFill>
+              <a:latin typeface="Arial"/>
+            </a:endParaRPr>
+          </a:p>
+          <a:p>
+            <a:pPr lvl="3" marL="1728000" indent="-216000">
+              <a:spcBef>
+                <a:spcPts val="567"/>
+              </a:spcBef>
+              <a:buClr>
+                <a:srgbClr val="000000"/>
+              </a:buClr>
+              <a:buSzPct val="75000"/>
+              <a:buFont typeface="Symbol" charset="2"/>
+              <a:buChar char=""/>
+            </a:pPr>
+            <a:r>
+              <a:rPr b="0" lang="en-US" sz="1800" spc="-1" strike="noStrike">
+                <a:solidFill>
+                  <a:srgbClr val="000000"/>
+                </a:solidFill>
+                <a:latin typeface="Arial"/>
+              </a:rPr>
+              <a:t>Fourth Outline Level</a:t>
+            </a:r>
+            <a:endParaRPr b="0" lang="en-US" sz="1800" spc="-1" strike="noStrike">
+              <a:solidFill>
+                <a:srgbClr val="000000"/>
+              </a:solidFill>
+              <a:latin typeface="Arial"/>
+            </a:endParaRPr>
+          </a:p>
+          <a:p>
+            <a:pPr lvl="4" marL="2160000" indent="-216000">
+              <a:spcBef>
+                <a:spcPts val="283"/>
+              </a:spcBef>
+              <a:buClr>
+                <a:srgbClr val="000000"/>
+              </a:buClr>
+              <a:buSzPct val="45000"/>
+              <a:buFont typeface="Wingdings" charset="2"/>
+              <a:buChar char=""/>
+            </a:pPr>
+            <a:r>
+              <a:rPr b="0" lang="en-US" sz="1800" spc="-1" strike="noStrike">
+                <a:solidFill>
+                  <a:srgbClr val="000000"/>
+                </a:solidFill>
+                <a:latin typeface="Arial"/>
+              </a:rPr>
+              <a:t>Fifth Outline Level</a:t>
+            </a:r>
+            <a:endParaRPr b="0" lang="en-US" sz="1800" spc="-1" strike="noStrike">
+              <a:solidFill>
+                <a:srgbClr val="000000"/>
+              </a:solidFill>
+              <a:latin typeface="Arial"/>
+            </a:endParaRPr>
+          </a:p>
+          <a:p>
+            <a:pPr lvl="5" marL="2592000" indent="-216000">
+              <a:spcBef>
+                <a:spcPts val="283"/>
+              </a:spcBef>
+              <a:buClr>
+                <a:srgbClr val="000000"/>
+              </a:buClr>
+              <a:buSzPct val="45000"/>
+              <a:buFont typeface="Wingdings" charset="2"/>
+              <a:buChar char=""/>
+            </a:pPr>
+            <a:r>
+              <a:rPr b="0" lang="en-US" sz="1800" spc="-1" strike="noStrike">
+                <a:solidFill>
+                  <a:srgbClr val="000000"/>
+                </a:solidFill>
+                <a:latin typeface="Arial"/>
+              </a:rPr>
+              <a:t>Sixth Outline Level</a:t>
+            </a:r>
+            <a:endParaRPr b="0" lang="en-US" sz="1800" spc="-1" strike="noStrike">
+              <a:solidFill>
+                <a:srgbClr val="000000"/>
+              </a:solidFill>
+              <a:latin typeface="Arial"/>
+            </a:endParaRPr>
+          </a:p>
+          <a:p>
+            <a:pPr lvl="6" marL="3024000" indent="-216000">
+              <a:spcBef>
+                <a:spcPts val="283"/>
+              </a:spcBef>
+              <a:buClr>
+                <a:srgbClr val="000000"/>
+              </a:buClr>
+              <a:buSzPct val="45000"/>
+              <a:buFont typeface="Wingdings" charset="2"/>
+              <a:buChar char=""/>
+            </a:pPr>
+            <a:r>
+              <a:rPr b="0" lang="en-US" sz="1800" spc="-1" strike="noStrike">
+                <a:solidFill>
+                  <a:srgbClr val="000000"/>
+                </a:solidFill>
+                <a:latin typeface="Arial"/>
+              </a:rPr>
+              <a:t>Seventh Outline Level</a:t>
+            </a:r>
+            <a:endParaRPr b="0" lang="en-US" sz="1800" spc="-1" strike="noStrike">
+              <a:solidFill>
+                <a:srgbClr val="000000"/>
+              </a:solidFill>
+              <a:latin typeface="Arial"/>
+            </a:endParaRPr>
+          </a:p>
+        </p:txBody>
+      </p:sp>
+      <p:sp>
+        <p:nvSpPr>
+          <p:cNvPr id="8" name="PlaceHolder 3"/>
+          <p:cNvSpPr>
+            <a:spLocks noGrp="1"/>
+          </p:cNvSpPr>
+          <p:nvPr>
+            <p:ph type="ftr" idx="4"/>
+          </p:nvPr>
+        </p:nvSpPr>
+        <p:spPr>
+          <a:xfrm>
+            <a:off x="3445920" y="5164560"/>
+            <a:ext cx="3193560" cy="390240"/>
+          </a:xfrm>
+          <a:prstGeom prst="rect">
+            <a:avLst/>
+          </a:prstGeom>
+          <a:noFill/>
+          <a:ln w="0">
+            <a:noFill/>
+          </a:ln>
+        </p:spPr>
+        <p:txBody>
+          <a:bodyPr lIns="0" rIns="0" tIns="0" bIns="0" anchor="t">
+            <a:noAutofit/>
+          </a:bodyPr>
+          <a:lstStyle>
+            <a:lvl1pPr indent="0" algn="ctr">
+              <a:lnSpc>
+                <a:spcPct val="100000"/>
+              </a:lnSpc>
+              <a:buNone/>
+              <a:tabLst>
+                <a:tab algn="l" pos="0"/>
+              </a:tabLst>
+              <a:defRPr b="0" lang="en-US" sz="1400" spc="-1" strike="noStrike">
+                <a:solidFill>
+                  <a:srgbClr val="000000"/>
+                </a:solidFill>
+                <a:latin typeface="Times New Roman"/>
+              </a:defRPr>
+            </a:lvl1pPr>
+          </a:lstStyle>
+          <a:p>
+            <a:pPr indent="0" algn="ctr">
+              <a:lnSpc>
+                <a:spcPct val="100000"/>
+              </a:lnSpc>
+              <a:buNone/>
+              <a:tabLst>
+                <a:tab algn="l" pos="0"/>
+              </a:tabLst>
+            </a:pPr>
+            <a:r>
+              <a:rPr b="0" lang="en-US" sz="1400" spc="-1" strike="noStrike">
+                <a:solidFill>
+                  <a:srgbClr val="000000"/>
+                </a:solidFill>
+                <a:latin typeface="Times New Roman"/>
+              </a:rPr>
+              <a:t>&lt;footer&gt;</a:t>
+            </a:r>
+            <a:endParaRPr b="0" lang="en-US" sz="1400" spc="-1" strike="noStrike">
+              <a:solidFill>
+                <a:srgbClr val="000000"/>
+              </a:solidFill>
+              <a:latin typeface="Times New Roman"/>
+            </a:endParaRPr>
+          </a:p>
+        </p:txBody>
+      </p:sp>
+      <p:sp>
+        <p:nvSpPr>
+          <p:cNvPr id="9" name="PlaceHolder 4"/>
+          <p:cNvSpPr>
+            <a:spLocks noGrp="1"/>
+          </p:cNvSpPr>
+          <p:nvPr>
+            <p:ph type="sldNum" idx="5"/>
+          </p:nvPr>
+        </p:nvSpPr>
+        <p:spPr>
+          <a:xfrm>
+            <a:off x="7224840" y="5164560"/>
+            <a:ext cx="2347200" cy="390240"/>
+          </a:xfrm>
+          <a:prstGeom prst="rect">
+            <a:avLst/>
+          </a:prstGeom>
+          <a:noFill/>
+          <a:ln w="0">
+            <a:noFill/>
+          </a:ln>
+        </p:spPr>
+        <p:txBody>
+          <a:bodyPr lIns="0" rIns="0" tIns="0" bIns="0" anchor="t">
+            <a:noAutofit/>
+          </a:bodyPr>
+          <a:lstStyle>
+            <a:lvl1pPr indent="0" algn="r">
+              <a:lnSpc>
+                <a:spcPct val="100000"/>
+              </a:lnSpc>
+              <a:buNone/>
+              <a:tabLst>
+                <a:tab algn="l" pos="0"/>
+              </a:tabLst>
+              <a:defRPr b="0" lang="en-US" sz="1400" spc="-1" strike="noStrike">
+                <a:solidFill>
+                  <a:srgbClr val="000000"/>
+                </a:solidFill>
+                <a:latin typeface="Times New Roman"/>
+              </a:defRPr>
+            </a:lvl1pPr>
+          </a:lstStyle>
+          <a:p>
+            <a:pPr indent="0" algn="r">
+              <a:lnSpc>
+                <a:spcPct val="100000"/>
+              </a:lnSpc>
+              <a:buNone/>
+              <a:tabLst>
+                <a:tab algn="l" pos="0"/>
+              </a:tabLst>
+            </a:pPr>
+            <a:fld id="{F3F17235-882D-486E-AA03-E08F551B06D9}" type="slidenum">
+              <a:rPr b="0" lang="en-US" sz="1400" spc="-1" strike="noStrike">
+                <a:solidFill>
+                  <a:srgbClr val="000000"/>
+                </a:solidFill>
+                <a:latin typeface="Times New Roman"/>
+              </a:rPr>
+              <a:t>&lt;number&gt;</a:t>
+            </a:fld>
+            <a:endParaRPr b="0" lang="en-US" sz="1400" spc="-1" strike="noStrike">
+              <a:solidFill>
+                <a:srgbClr val="000000"/>
+              </a:solidFill>
+              <a:latin typeface="Times New Roman"/>
+            </a:endParaRPr>
+          </a:p>
+        </p:txBody>
+      </p:sp>
+      <p:sp>
+        <p:nvSpPr>
+          <p:cNvPr id="10" name="PlaceHolder 5"/>
+          <p:cNvSpPr>
+            <a:spLocks noGrp="1"/>
+          </p:cNvSpPr>
+          <p:nvPr>
+            <p:ph type="dt" idx="6"/>
+          </p:nvPr>
+        </p:nvSpPr>
+        <p:spPr>
+          <a:xfrm>
+            <a:off x="503640" y="5164560"/>
+            <a:ext cx="2347200" cy="390240"/>
+          </a:xfrm>
+          <a:prstGeom prst="rect">
+            <a:avLst/>
+          </a:prstGeom>
+          <a:noFill/>
+          <a:ln w="0">
+            <a:noFill/>
+          </a:ln>
+        </p:spPr>
+        <p:txBody>
+          <a:bodyPr lIns="0" rIns="0" tIns="0" bIns="0" anchor="t">
+            <a:noAutofit/>
+          </a:bodyPr>
+          <a:lstStyle>
+            <a:lvl1pPr indent="0">
+              <a:buNone/>
+              <a:defRPr b="0" lang="en-US" sz="1400" spc="-1" strike="noStrike">
+                <a:solidFill>
+                  <a:srgbClr val="000000"/>
+                </a:solidFill>
+                <a:latin typeface="Times New Roman"/>
+              </a:defRPr>
+            </a:lvl1pPr>
+          </a:lstStyle>
+          <a:p>
+            <a:pPr indent="0">
+              <a:buNone/>
+            </a:pPr>
+            <a:r>
+              <a:rPr b="0" lang="en-US" sz="1400" spc="-1" strike="noStrike">
+                <a:solidFill>
+                  <a:srgbClr val="000000"/>
+                </a:solidFill>
+                <a:latin typeface="Times New Roman"/>
+              </a:rPr>
+              <a:t>&lt;date/time&gt;</a:t>
+            </a:r>
+            <a:endParaRPr b="0" lang="en-US" sz="1400" spc="-1" strike="noStrike">
+              <a:solidFill>
+                <a:srgbClr val="000000"/>
+              </a:solidFill>
+              <a:latin typeface="Times New Roman"/>
+            </a:endParaRPr>
+          </a:p>
+        </p:txBody>
+      </p:sp>
+    </p:spTree>
+  </p:cSld>
+  <p:clrMap bg1="lt1" bg2="lt2" tx1="dk1" tx2="dk2" accent1="accent1" accent2="accent2" accent3="accent3" accent4="accent4" accent5="accent5" accent6="accent6" hlink="hlink" folHlink="folHlink"/>
+  <p:sldLayoutIdLst>
+    <p:sldLayoutId id="2147483652" r:id="rId2"/>
+  </p:sldLayoutIdLst>
+</p:sldMaster>
+</file>
+
+<file path=ppt/slideMasters/slideMaster3.xml><?xml version="1.0" encoding="utf-8"?>
+<p:sldMaster xmlns:a="http://schemas.openxmlformats.org/drawingml/2006/main" xmlns:p="http://schemas.openxmlformats.org/presentationml/2006/main" xmlns:r="http://schemas.openxmlformats.org/officeDocument/2006/relationships" xmlns:p14="http://schemas.microsoft.com/office/powerpoint/2010/main" xmlns:p15="http://schemas.microsoft.com/office/powerpoint/2012/main" xmlns:mc="http://schemas.openxmlformats.org/markup-compatibility/2006">
+  <p:cSld>
+    <p:spTree>
+      <p:nvGrpSpPr>
+        <p:cNvPr id="1" name=""/>
+        <p:cNvGrpSpPr/>
+        <p:nvPr/>
+      </p:nvGrpSpPr>
+      <p:grpSpPr>
+        <a:xfrm>
+          <a:off x="0" y="0"/>
+          <a:ext cx="0" cy="0"/>
+          <a:chOff x="0" y="0"/>
+          <a:chExt cx="0" cy="0"/>
+        </a:xfrm>
+      </p:grpSpPr>
+      <p:sp>
+        <p:nvSpPr>
+          <p:cNvPr id="13" name="PlaceHolder 1"/>
+          <p:cNvSpPr>
+            <a:spLocks noGrp="1"/>
+          </p:cNvSpPr>
+          <p:nvPr>
+            <p:ph type="title"/>
+          </p:nvPr>
+        </p:nvSpPr>
+        <p:spPr>
+          <a:xfrm>
+            <a:off x="503640" y="225720"/>
+            <a:ext cx="9068400" cy="946080"/>
+          </a:xfrm>
+          <a:prstGeom prst="rect">
+            <a:avLst/>
+          </a:prstGeom>
+          <a:noFill/>
+          <a:ln w="0">
+            <a:noFill/>
+          </a:ln>
+        </p:spPr>
+        <p:txBody>
+          <a:bodyPr lIns="0" rIns="0" tIns="0" bIns="0" anchor="ctr">
+            <a:noAutofit/>
+          </a:bodyPr>
+          <a:p>
+            <a:pPr indent="0">
+              <a:buNone/>
+            </a:pPr>
+            <a:r>
+              <a:rPr b="0" lang="en-US" sz="1800" spc="-1" strike="noStrike">
+                <a:solidFill>
+                  <a:srgbClr val="000000"/>
+                </a:solidFill>
+                <a:latin typeface="Arial"/>
+              </a:rPr>
+              <a:t>Click to edit the title text format</a:t>
+            </a:r>
+            <a:endParaRPr b="0" lang="en-US" sz="1800" spc="-1" strike="noStrike">
+              <a:solidFill>
+                <a:srgbClr val="000000"/>
+              </a:solidFill>
+              <a:latin typeface="Arial"/>
+            </a:endParaRPr>
+          </a:p>
+        </p:txBody>
+      </p:sp>
+      <p:sp>
+        <p:nvSpPr>
+          <p:cNvPr id="14" name="PlaceHolder 2"/>
+          <p:cNvSpPr>
+            <a:spLocks noGrp="1"/>
+          </p:cNvSpPr>
+          <p:nvPr>
+            <p:ph type="ftr" idx="7"/>
+          </p:nvPr>
+        </p:nvSpPr>
+        <p:spPr>
+          <a:xfrm>
+            <a:off x="3445920" y="5164560"/>
+            <a:ext cx="3193560" cy="390240"/>
+          </a:xfrm>
+          <a:prstGeom prst="rect">
+            <a:avLst/>
+          </a:prstGeom>
+          <a:noFill/>
+          <a:ln w="0">
+            <a:noFill/>
+          </a:ln>
+        </p:spPr>
+        <p:txBody>
+          <a:bodyPr lIns="0" rIns="0" tIns="0" bIns="0" anchor="t">
+            <a:noAutofit/>
+          </a:bodyPr>
+          <a:lstStyle>
+            <a:lvl1pPr indent="0" algn="ctr">
+              <a:lnSpc>
+                <a:spcPct val="100000"/>
+              </a:lnSpc>
+              <a:buNone/>
+              <a:tabLst>
+                <a:tab algn="l" pos="0"/>
+              </a:tabLst>
+              <a:defRPr b="0" lang="en-US" sz="1400" spc="-1" strike="noStrike">
+                <a:solidFill>
+                  <a:srgbClr val="000000"/>
+                </a:solidFill>
+                <a:latin typeface="Times New Roman"/>
+              </a:defRPr>
+            </a:lvl1pPr>
+          </a:lstStyle>
+          <a:p>
+            <a:pPr indent="0" algn="ctr">
+              <a:lnSpc>
+                <a:spcPct val="100000"/>
+              </a:lnSpc>
+              <a:buNone/>
+              <a:tabLst>
+                <a:tab algn="l" pos="0"/>
+              </a:tabLst>
+            </a:pPr>
+            <a:r>
+              <a:rPr b="0" lang="en-US" sz="1400" spc="-1" strike="noStrike">
+                <a:solidFill>
+                  <a:srgbClr val="000000"/>
+                </a:solidFill>
+                <a:latin typeface="Times New Roman"/>
+              </a:rPr>
+              <a:t>&lt;footer&gt;</a:t>
+            </a:r>
+            <a:endParaRPr b="0" lang="en-US" sz="1400" spc="-1" strike="noStrike">
+              <a:solidFill>
+                <a:srgbClr val="000000"/>
+              </a:solidFill>
+              <a:latin typeface="Times New Roman"/>
+            </a:endParaRPr>
+          </a:p>
+        </p:txBody>
+      </p:sp>
+      <p:sp>
+        <p:nvSpPr>
+          <p:cNvPr id="15" name="PlaceHolder 3"/>
+          <p:cNvSpPr>
+            <a:spLocks noGrp="1"/>
+          </p:cNvSpPr>
+          <p:nvPr>
+            <p:ph type="sldNum" idx="8"/>
+          </p:nvPr>
+        </p:nvSpPr>
+        <p:spPr>
+          <a:xfrm>
+            <a:off x="7224840" y="5164560"/>
+            <a:ext cx="2347200" cy="390240"/>
+          </a:xfrm>
+          <a:prstGeom prst="rect">
+            <a:avLst/>
+          </a:prstGeom>
+          <a:noFill/>
+          <a:ln w="0">
+            <a:noFill/>
+          </a:ln>
+        </p:spPr>
+        <p:txBody>
+          <a:bodyPr lIns="0" rIns="0" tIns="0" bIns="0" anchor="t">
+            <a:noAutofit/>
+          </a:bodyPr>
+          <a:lstStyle>
+            <a:lvl1pPr indent="0" algn="r">
+              <a:lnSpc>
+                <a:spcPct val="100000"/>
+              </a:lnSpc>
+              <a:buNone/>
+              <a:tabLst>
+                <a:tab algn="l" pos="0"/>
+              </a:tabLst>
+              <a:defRPr b="0" lang="en-US" sz="1400" spc="-1" strike="noStrike">
+                <a:solidFill>
+                  <a:srgbClr val="000000"/>
+                </a:solidFill>
+                <a:latin typeface="Times New Roman"/>
+              </a:defRPr>
+            </a:lvl1pPr>
+          </a:lstStyle>
+          <a:p>
+            <a:pPr indent="0" algn="r">
+              <a:lnSpc>
+                <a:spcPct val="100000"/>
+              </a:lnSpc>
+              <a:buNone/>
+              <a:tabLst>
+                <a:tab algn="l" pos="0"/>
+              </a:tabLst>
+            </a:pPr>
+            <a:fld id="{48898454-E245-45FC-90D7-0EC1CCBCA761}" type="slidenum">
+              <a:rPr b="0" lang="en-US" sz="1400" spc="-1" strike="noStrike">
+                <a:solidFill>
+                  <a:srgbClr val="000000"/>
+                </a:solidFill>
+                <a:latin typeface="Times New Roman"/>
+              </a:rPr>
+              <a:t>&lt;number&gt;</a:t>
+            </a:fld>
+            <a:endParaRPr b="0" lang="en-US" sz="1400" spc="-1" strike="noStrike">
+              <a:solidFill>
+                <a:srgbClr val="000000"/>
+              </a:solidFill>
+              <a:latin typeface="Times New Roman"/>
+            </a:endParaRPr>
+          </a:p>
+        </p:txBody>
+      </p:sp>
+      <p:sp>
+        <p:nvSpPr>
+          <p:cNvPr id="16" name="PlaceHolder 4"/>
+          <p:cNvSpPr>
+            <a:spLocks noGrp="1"/>
+          </p:cNvSpPr>
+          <p:nvPr>
+            <p:ph type="dt" idx="9"/>
+          </p:nvPr>
+        </p:nvSpPr>
+        <p:spPr>
+          <a:xfrm>
+            <a:off x="503640" y="5164560"/>
+            <a:ext cx="2347200" cy="390240"/>
+          </a:xfrm>
+          <a:prstGeom prst="rect">
+            <a:avLst/>
+          </a:prstGeom>
+          <a:noFill/>
+          <a:ln w="0">
+            <a:noFill/>
+          </a:ln>
+        </p:spPr>
+        <p:txBody>
+          <a:bodyPr lIns="0" rIns="0" tIns="0" bIns="0" anchor="t">
+            <a:noAutofit/>
+          </a:bodyPr>
+          <a:lstStyle>
+            <a:lvl1pPr indent="0">
+              <a:buNone/>
+              <a:defRPr b="0" lang="en-US" sz="1400" spc="-1" strike="noStrike">
+                <a:solidFill>
+                  <a:srgbClr val="000000"/>
+                </a:solidFill>
+                <a:latin typeface="Times New Roman"/>
+              </a:defRPr>
+            </a:lvl1pPr>
+          </a:lstStyle>
+          <a:p>
+            <a:pPr indent="0">
+              <a:buNone/>
+            </a:pPr>
+            <a:r>
+              <a:rPr b="0" lang="en-US" sz="1400" spc="-1" strike="noStrike">
+                <a:solidFill>
+                  <a:srgbClr val="000000"/>
+                </a:solidFill>
+                <a:latin typeface="Times New Roman"/>
+              </a:rPr>
+              <a:t>&lt;date/time&gt;</a:t>
+            </a:r>
+            <a:endParaRPr b="0" lang="en-US" sz="1400" spc="-1" strike="noStrike">
+              <a:solidFill>
+                <a:srgbClr val="000000"/>
+              </a:solidFill>
+              <a:latin typeface="Times New Roman"/>
+            </a:endParaRPr>
+          </a:p>
+        </p:txBody>
+      </p:sp>
+      <p:sp>
+        <p:nvSpPr>
+          <p:cNvPr id="17" name="PlaceHolder 5"/>
+          <p:cNvSpPr>
+            <a:spLocks noGrp="1"/>
+          </p:cNvSpPr>
+          <p:nvPr>
+            <p:ph type="body"/>
+          </p:nvPr>
+        </p:nvSpPr>
+        <p:spPr>
+          <a:xfrm>
+            <a:off x="503640" y="1326240"/>
+            <a:ext cx="9069120" cy="3287520"/>
+          </a:xfrm>
+          <a:prstGeom prst="rect">
+            <a:avLst/>
+          </a:prstGeom>
+          <a:noFill/>
+          <a:ln w="0">
+            <a:noFill/>
+          </a:ln>
+        </p:spPr>
+        <p:txBody>
+          <a:bodyPr lIns="0" rIns="0" tIns="0" bIns="0" anchor="t">
+            <a:normAutofit/>
+          </a:bodyPr>
+          <a:p>
+            <a:pPr marL="432000" indent="-324000">
+              <a:spcBef>
+                <a:spcPts val="1417"/>
+              </a:spcBef>
+              <a:buClr>
+                <a:srgbClr val="000000"/>
+              </a:buClr>
+              <a:buSzPct val="45000"/>
+              <a:buFont typeface="Wingdings" charset="2"/>
+              <a:buChar char=""/>
+            </a:pPr>
+            <a:r>
+              <a:rPr b="0" lang="en-US" sz="3200" spc="-1" strike="noStrike">
+                <a:solidFill>
+                  <a:srgbClr val="000000"/>
+                </a:solidFill>
+                <a:latin typeface="Arial"/>
+              </a:rPr>
+              <a:t>Click to edit the outline text format</a:t>
+            </a:r>
+            <a:endParaRPr b="0" lang="en-US" sz="3200" spc="-1" strike="noStrike">
+              <a:solidFill>
+                <a:srgbClr val="000000"/>
+              </a:solidFill>
+              <a:latin typeface="Arial"/>
+            </a:endParaRPr>
+          </a:p>
+          <a:p>
+            <a:pPr lvl="1" marL="864000" indent="-324000">
+              <a:spcBef>
+                <a:spcPts val="1134"/>
+              </a:spcBef>
+              <a:buClr>
+                <a:srgbClr val="000000"/>
+              </a:buClr>
+              <a:buSzPct val="75000"/>
+              <a:buFont typeface="Symbol" charset="2"/>
+              <a:buChar char=""/>
+            </a:pPr>
+            <a:r>
+              <a:rPr b="0" lang="en-US" sz="2800" spc="-1" strike="noStrike">
+                <a:solidFill>
+                  <a:srgbClr val="000000"/>
+                </a:solidFill>
+                <a:latin typeface="Arial"/>
+              </a:rPr>
+              <a:t>Second Outline Level</a:t>
+            </a:r>
+            <a:endParaRPr b="0" lang="en-US" sz="2800" spc="-1" strike="noStrike">
+              <a:solidFill>
+                <a:srgbClr val="000000"/>
+              </a:solidFill>
+              <a:latin typeface="Arial"/>
+            </a:endParaRPr>
+          </a:p>
+          <a:p>
+            <a:pPr lvl="2" marL="1296000" indent="-288000">
+              <a:spcBef>
+                <a:spcPts val="850"/>
+              </a:spcBef>
+              <a:buClr>
+                <a:srgbClr val="000000"/>
+              </a:buClr>
+              <a:buSzPct val="45000"/>
+              <a:buFont typeface="Wingdings" charset="2"/>
+              <a:buChar char=""/>
+            </a:pPr>
+            <a:r>
+              <a:rPr b="0" lang="en-US" sz="2400" spc="-1" strike="noStrike">
+                <a:solidFill>
+                  <a:srgbClr val="000000"/>
+                </a:solidFill>
+                <a:latin typeface="Arial"/>
+              </a:rPr>
+              <a:t>Third Outline Level</a:t>
+            </a:r>
+            <a:endParaRPr b="0" lang="en-US" sz="2400" spc="-1" strike="noStrike">
+              <a:solidFill>
+                <a:srgbClr val="000000"/>
+              </a:solidFill>
+              <a:latin typeface="Arial"/>
+            </a:endParaRPr>
+          </a:p>
+          <a:p>
+            <a:pPr lvl="3" marL="1728000" indent="-216000">
+              <a:spcBef>
+                <a:spcPts val="567"/>
+              </a:spcBef>
+              <a:buClr>
+                <a:srgbClr val="000000"/>
+              </a:buClr>
+              <a:buSzPct val="75000"/>
+              <a:buFont typeface="Symbol" charset="2"/>
+              <a:buChar char=""/>
+            </a:pPr>
+            <a:r>
+              <a:rPr b="0" lang="en-US" sz="2000" spc="-1" strike="noStrike">
+                <a:solidFill>
+                  <a:srgbClr val="000000"/>
+                </a:solidFill>
+                <a:latin typeface="Arial"/>
+              </a:rPr>
+              <a:t>Fourth Outline Level</a:t>
+            </a:r>
+            <a:endParaRPr b="0" lang="en-US" sz="2000" spc="-1" strike="noStrike">
+              <a:solidFill>
+                <a:srgbClr val="000000"/>
+              </a:solidFill>
+              <a:latin typeface="Arial"/>
+            </a:endParaRPr>
+          </a:p>
+          <a:p>
+            <a:pPr lvl="4" marL="2160000" indent="-216000">
+              <a:spcBef>
+                <a:spcPts val="283"/>
+              </a:spcBef>
+              <a:buClr>
+                <a:srgbClr val="000000"/>
+              </a:buClr>
+              <a:buSzPct val="45000"/>
+              <a:buFont typeface="Wingdings" charset="2"/>
+              <a:buChar char=""/>
+            </a:pPr>
+            <a:r>
+              <a:rPr b="0" lang="en-US" sz="2000" spc="-1" strike="noStrike">
+                <a:solidFill>
+                  <a:srgbClr val="000000"/>
+                </a:solidFill>
+                <a:latin typeface="Arial"/>
+              </a:rPr>
+              <a:t>Fifth Outline Level</a:t>
+            </a:r>
+            <a:endParaRPr b="0" lang="en-US" sz="2000" spc="-1" strike="noStrike">
+              <a:solidFill>
+                <a:srgbClr val="000000"/>
+              </a:solidFill>
+              <a:latin typeface="Arial"/>
+            </a:endParaRPr>
+          </a:p>
+          <a:p>
+            <a:pPr lvl="5" marL="2592000" indent="-216000">
+              <a:spcBef>
+                <a:spcPts val="283"/>
+              </a:spcBef>
+              <a:buClr>
+                <a:srgbClr val="000000"/>
+              </a:buClr>
+              <a:buSzPct val="45000"/>
+              <a:buFont typeface="Wingdings" charset="2"/>
+              <a:buChar char=""/>
+            </a:pPr>
+            <a:r>
+              <a:rPr b="0" lang="en-US" sz="2000" spc="-1" strike="noStrike">
+                <a:solidFill>
+                  <a:srgbClr val="000000"/>
+                </a:solidFill>
+                <a:latin typeface="Arial"/>
+              </a:rPr>
+              <a:t>Sixth Outline Level</a:t>
+            </a:r>
+            <a:endParaRPr b="0" lang="en-US" sz="2000" spc="-1" strike="noStrike">
+              <a:solidFill>
+                <a:srgbClr val="000000"/>
+              </a:solidFill>
+              <a:latin typeface="Arial"/>
+            </a:endParaRPr>
+          </a:p>
+          <a:p>
+            <a:pPr lvl="6" marL="3024000" indent="-216000">
+              <a:spcBef>
+                <a:spcPts val="283"/>
+              </a:spcBef>
+              <a:buClr>
+                <a:srgbClr val="000000"/>
+              </a:buClr>
+              <a:buSzPct val="45000"/>
+              <a:buFont typeface="Wingdings" charset="2"/>
+              <a:buChar char=""/>
+            </a:pPr>
+            <a:r>
+              <a:rPr b="0" lang="en-US" sz="2000" spc="-1" strike="noStrike">
+                <a:solidFill>
+                  <a:srgbClr val="000000"/>
+                </a:solidFill>
+                <a:latin typeface="Arial"/>
+              </a:rPr>
+              <a:t>Seventh Outline Level</a:t>
+            </a:r>
+            <a:endParaRPr b="0" lang="en-US" sz="2000" spc="-1" strike="noStrike">
+              <a:solidFill>
+                <a:srgbClr val="000000"/>
+              </a:solidFill>
+              <a:latin typeface="Arial"/>
+            </a:endParaRPr>
+          </a:p>
+        </p:txBody>
+      </p:sp>
+    </p:spTree>
+  </p:cSld>
+  <p:clrMap bg1="lt1" bg2="lt2" tx1="dk1" tx2="dk2" accent1="accent1" accent2="accent2" accent3="accent3" accent4="accent4" accent5="accent5" accent6="accent6" hlink="hlink" folHlink="folHlink"/>
+  <p:sldLayoutIdLst>
+    <p:sldLayoutId id="2147483654" r:id="rId2"/>
   </p:sldLayoutIdLst>
 </p:sldMaster>
 </file>
@@ -947,7 +2106,7 @@
       </p:grpSpPr>
       <p:sp>
         <p:nvSpPr>
-          <p:cNvPr id="9" name="PlaceHolder 1"/>
+          <p:cNvPr id="20" name="PlaceHolder 1"/>
           <p:cNvSpPr>
             <a:spLocks noGrp="1"/>
           </p:cNvSpPr>
@@ -958,7 +2117,7 @@
         <p:spPr>
           <a:xfrm>
             <a:off x="532440" y="2253960"/>
-            <a:ext cx="9068760" cy="946440"/>
+            <a:ext cx="9068400" cy="946080"/>
           </a:xfrm>
           <a:prstGeom prst="rect">
             <a:avLst/>
@@ -974,7 +2133,13 @@
           </a:bodyPr>
           <a:p>
             <a:pPr indent="0" algn="ctr">
+              <a:lnSpc>
+                <a:spcPct val="100000"/>
+              </a:lnSpc>
               <a:buNone/>
+              <a:tabLst>
+                <a:tab algn="l" pos="0"/>
+              </a:tabLst>
             </a:pPr>
             <a:r>
               <a:rPr b="0" lang="en-US" sz="6000" spc="-1" strike="noStrike">
@@ -989,22 +2154,21 @@
               <a:solidFill>
                 <a:srgbClr val="ffffff"/>
               </a:solidFill>
-              <a:latin typeface="Consolas"/>
-              <a:ea typeface="Noto Sans CJK SC"/>
-            </a:endParaRPr>
-          </a:p>
-        </p:txBody>
-      </p:sp>
-      <p:sp>
-        <p:nvSpPr>
-          <p:cNvPr id="10" name=""/>
-          <p:cNvSpPr txBox="1"/>
+              <a:latin typeface="Arial"/>
+            </a:endParaRPr>
+          </a:p>
+        </p:txBody>
+      </p:sp>
+      <p:sp>
+        <p:nvSpPr>
+          <p:cNvPr id="21" name=""/>
+          <p:cNvSpPr/>
           <p:nvPr/>
         </p:nvSpPr>
         <p:spPr>
           <a:xfrm>
             <a:off x="3657600" y="3311280"/>
-            <a:ext cx="2514600" cy="346320"/>
+            <a:ext cx="2514240" cy="345960"/>
           </a:xfrm>
           <a:prstGeom prst="rect">
             <a:avLst/>
@@ -1014,12 +2178,22 @@
             <a:noFill/>
           </a:ln>
         </p:spPr>
+        <p:style>
+          <a:lnRef idx="0"/>
+          <a:fillRef idx="0"/>
+          <a:effectRef idx="0"/>
+          <a:fontRef idx="minor"/>
+        </p:style>
         <p:txBody>
           <a:bodyPr lIns="90000" rIns="90000" tIns="45000" bIns="45000" anchor="t">
             <a:noAutofit/>
           </a:bodyPr>
           <a:p>
-            <a:pPr algn="ctr"/>
+            <a:pPr algn="ctr">
+              <a:lnSpc>
+                <a:spcPct val="100000"/>
+              </a:lnSpc>
+            </a:pPr>
             <a:r>
               <a:rPr b="0" lang="en-US" sz="1800" spc="-1" strike="noStrike">
                 <a:solidFill>
@@ -1031,9 +2205,9 @@
             </a:r>
             <a:endParaRPr b="0" lang="en-US" sz="1800" spc="-1" strike="noStrike">
               <a:solidFill>
-                <a:srgbClr val="000000"/>
-              </a:solidFill>
-              <a:latin typeface="Consolas"/>
+                <a:srgbClr val="ffffff"/>
+              </a:solidFill>
+              <a:latin typeface="Arial"/>
             </a:endParaRPr>
           </a:p>
         </p:txBody>
@@ -1070,7 +2244,7 @@
       </p:grpSpPr>
       <p:pic>
         <p:nvPicPr>
-          <p:cNvPr id="21" name="" descr=""/>
+          <p:cNvPr id="32" name="" descr=""/>
           <p:cNvPicPr/>
           <p:nvPr/>
         </p:nvPicPr>
@@ -1081,7 +2255,7 @@
         <p:spPr>
           <a:xfrm>
             <a:off x="1584720" y="0"/>
-            <a:ext cx="6644880" cy="5486400"/>
+            <a:ext cx="6644520" cy="5486040"/>
           </a:xfrm>
           <a:prstGeom prst="rect">
             <a:avLst/>
@@ -1123,7 +2297,7 @@
       </p:grpSpPr>
       <p:pic>
         <p:nvPicPr>
-          <p:cNvPr id="22" name="" descr=""/>
+          <p:cNvPr id="33" name="" descr=""/>
           <p:cNvPicPr/>
           <p:nvPr/>
         </p:nvPicPr>
@@ -1134,7 +2308,7 @@
         <p:spPr>
           <a:xfrm>
             <a:off x="1008000" y="406080"/>
-            <a:ext cx="8136000" cy="4851720"/>
+            <a:ext cx="8135640" cy="4851360"/>
           </a:xfrm>
           <a:prstGeom prst="rect">
             <a:avLst/>
@@ -1176,7 +2350,7 @@
       </p:grpSpPr>
       <p:pic>
         <p:nvPicPr>
-          <p:cNvPr id="23" name="" descr=""/>
+          <p:cNvPr id="34" name="" descr=""/>
           <p:cNvPicPr/>
           <p:nvPr/>
         </p:nvPicPr>
@@ -1187,7 +2361,7 @@
         <p:spPr>
           <a:xfrm>
             <a:off x="1306800" y="457200"/>
-            <a:ext cx="7380000" cy="4572000"/>
+            <a:ext cx="7379640" cy="4571640"/>
           </a:xfrm>
           <a:prstGeom prst="rect">
             <a:avLst/>
@@ -1227,195 +2401,29 @@
           <a:chExt cx="0" cy="0"/>
         </a:xfrm>
       </p:grpSpPr>
-      <p:sp>
-        <p:nvSpPr>
-          <p:cNvPr id="24" name="PlaceHolder 1"/>
-          <p:cNvSpPr>
-            <a:spLocks noGrp="1"/>
-          </p:cNvSpPr>
-          <p:nvPr>
-            <p:ph type="title"/>
-          </p:nvPr>
-        </p:nvSpPr>
-        <p:spPr>
-          <a:xfrm>
-            <a:off x="503640" y="225720"/>
-            <a:ext cx="9068760" cy="946440"/>
-          </a:xfrm>
-          <a:prstGeom prst="rect">
-            <a:avLst/>
-          </a:prstGeom>
-          <a:noFill/>
-          <a:ln w="0">
-            <a:noFill/>
-          </a:ln>
-        </p:spPr>
-        <p:txBody>
-          <a:bodyPr lIns="0" rIns="0" tIns="0" bIns="0" anchor="ctr">
-            <a:noAutofit/>
-          </a:bodyPr>
-          <a:p>
-            <a:pPr indent="0" algn="ctr">
-              <a:buNone/>
-            </a:pPr>
-            <a:r>
-              <a:rPr b="0" lang="en-US" sz="4400" spc="-1" strike="noStrike">
-                <a:solidFill>
-                  <a:srgbClr val="000000"/>
-                </a:solidFill>
-                <a:latin typeface="Consolas"/>
-              </a:rPr>
-              <a:t>Why we need algorithms?</a:t>
-            </a:r>
-            <a:endParaRPr b="0" lang="en-US" sz="4400" spc="-1" strike="noStrike">
-              <a:solidFill>
-                <a:srgbClr val="000000"/>
-              </a:solidFill>
-              <a:latin typeface="Consolas"/>
-            </a:endParaRPr>
-          </a:p>
-        </p:txBody>
-      </p:sp>
-      <p:sp>
-        <p:nvSpPr>
-          <p:cNvPr id="25" name="PlaceHolder 2"/>
-          <p:cNvSpPr>
-            <a:spLocks noGrp="1"/>
-          </p:cNvSpPr>
-          <p:nvPr>
-            <p:ph/>
-          </p:nvPr>
-        </p:nvSpPr>
-        <p:spPr>
-          <a:xfrm>
-            <a:off x="503640" y="1326240"/>
-            <a:ext cx="9068760" cy="3287880"/>
-          </a:xfrm>
-          <a:prstGeom prst="rect">
-            <a:avLst/>
-          </a:prstGeom>
-          <a:noFill/>
-          <a:ln w="0">
-            <a:noFill/>
-          </a:ln>
-        </p:spPr>
-        <p:txBody>
-          <a:bodyPr lIns="0" rIns="0" tIns="0" bIns="0" anchor="t">
-            <a:normAutofit/>
-          </a:bodyPr>
-          <a:p>
-            <a:pPr marL="432000" indent="-324000">
-              <a:spcBef>
-                <a:spcPts val="1414"/>
-              </a:spcBef>
-              <a:buClr>
-                <a:srgbClr val="000000"/>
-              </a:buClr>
-              <a:buSzPct val="45000"/>
-              <a:buFont typeface="Wingdings" charset="2"/>
-              <a:buChar char=""/>
-            </a:pPr>
-            <a:r>
-              <a:rPr b="0" lang="en-US" sz="2600" spc="-1" strike="noStrike">
-                <a:solidFill>
-                  <a:srgbClr val="000000"/>
-                </a:solidFill>
-                <a:latin typeface="Consolas"/>
-              </a:rPr>
-              <a:t>Solving problems (by breaking them down in </a:t>
-            </a:r>
-            <a:r>
-              <a:rPr b="0" lang="en-US" sz="2600" spc="-1" strike="noStrike">
-                <a:solidFill>
-                  <a:srgbClr val="000000"/>
-                </a:solidFill>
-                <a:latin typeface="Consolas"/>
-              </a:rPr>
-              <a:t>smaller steps)</a:t>
-            </a:r>
-            <a:endParaRPr b="0" lang="en-US" sz="2600" spc="-1" strike="noStrike">
-              <a:solidFill>
-                <a:srgbClr val="000000"/>
-              </a:solidFill>
-              <a:latin typeface="Consolas"/>
-            </a:endParaRPr>
-          </a:p>
-          <a:p>
-            <a:pPr marL="432000" indent="-324000">
-              <a:spcBef>
-                <a:spcPts val="1414"/>
-              </a:spcBef>
-              <a:buClr>
-                <a:srgbClr val="000000"/>
-              </a:buClr>
-              <a:buSzPct val="45000"/>
-              <a:buFont typeface="Wingdings" charset="2"/>
-              <a:buChar char=""/>
-            </a:pPr>
-            <a:r>
-              <a:rPr b="0" lang="en-US" sz="2600" spc="-1" strike="noStrike">
-                <a:solidFill>
-                  <a:srgbClr val="000000"/>
-                </a:solidFill>
-                <a:latin typeface="Consolas"/>
-              </a:rPr>
-              <a:t>Optimizing solutions (Algorithms find the near-</a:t>
-            </a:r>
-            <a:r>
-              <a:rPr b="0" lang="en-US" sz="2600" spc="-1" strike="noStrike">
-                <a:solidFill>
-                  <a:srgbClr val="000000"/>
-                </a:solidFill>
-                <a:latin typeface="Consolas"/>
-              </a:rPr>
-              <a:t>optimal solutions to problems)</a:t>
-            </a:r>
-            <a:endParaRPr b="0" lang="en-US" sz="2600" spc="-1" strike="noStrike">
-              <a:solidFill>
-                <a:srgbClr val="000000"/>
-              </a:solidFill>
-              <a:latin typeface="Consolas"/>
-            </a:endParaRPr>
-          </a:p>
-          <a:p>
-            <a:pPr marL="432000" indent="-324000">
-              <a:spcBef>
-                <a:spcPts val="1414"/>
-              </a:spcBef>
-              <a:buClr>
-                <a:srgbClr val="000000"/>
-              </a:buClr>
-              <a:buSzPct val="45000"/>
-              <a:buFont typeface="Wingdings" charset="2"/>
-              <a:buChar char=""/>
-            </a:pPr>
-            <a:r>
-              <a:rPr b="0" lang="en-US" sz="2600" spc="-1" strike="noStrike">
-                <a:solidFill>
-                  <a:srgbClr val="000000"/>
-                </a:solidFill>
-                <a:latin typeface="Consolas"/>
-              </a:rPr>
-              <a:t>Automating tasks (it can automate repetitive or </a:t>
-            </a:r>
-            <a:r>
-              <a:rPr b="0" lang="en-US" sz="2600" spc="-1" strike="noStrike">
-                <a:solidFill>
-                  <a:srgbClr val="000000"/>
-                </a:solidFill>
-                <a:latin typeface="Consolas"/>
-              </a:rPr>
-              <a:t>complex tasks, saving time and effort)</a:t>
-            </a:r>
-            <a:endParaRPr b="0" lang="en-US" sz="2600" spc="-1" strike="noStrike">
-              <a:solidFill>
-                <a:srgbClr val="000000"/>
-              </a:solidFill>
-              <a:latin typeface="Consolas"/>
-            </a:endParaRPr>
-          </a:p>
-        </p:txBody>
-      </p:sp>
+      <p:pic>
+        <p:nvPicPr>
+          <p:cNvPr id="35" name="" descr=""/>
+          <p:cNvPicPr/>
+          <p:nvPr/>
+        </p:nvPicPr>
+        <p:blipFill>
+          <a:blip r:embed="rId1"/>
+          <a:stretch/>
+        </p:blipFill>
+        <p:spPr>
+          <a:xfrm>
+            <a:off x="1919520" y="497520"/>
+            <a:ext cx="6238440" cy="4676400"/>
+          </a:xfrm>
+          <a:prstGeom prst="rect">
+            <a:avLst/>
+          </a:prstGeom>
+          <a:ln w="0">
+            <a:noFill/>
+          </a:ln>
+        </p:spPr>
+      </p:pic>
     </p:spTree>
   </p:cSld>
   <mc:AlternateContent>
@@ -1446,29 +2454,55 @@
           <a:chExt cx="0" cy="0"/>
         </a:xfrm>
       </p:grpSpPr>
-      <p:pic>
-        <p:nvPicPr>
-          <p:cNvPr id="26" name="" descr=""/>
-          <p:cNvPicPr/>
-          <p:nvPr/>
-        </p:nvPicPr>
-        <p:blipFill>
-          <a:blip r:embed="rId1"/>
-          <a:stretch/>
-        </p:blipFill>
-        <p:spPr>
-          <a:xfrm>
-            <a:off x="457560" y="343080"/>
-            <a:ext cx="9143640" cy="5143320"/>
-          </a:xfrm>
-          <a:prstGeom prst="rect">
-            <a:avLst/>
-          </a:prstGeom>
-          <a:ln w="0">
-            <a:noFill/>
-          </a:ln>
-        </p:spPr>
-      </p:pic>
+      <p:sp>
+        <p:nvSpPr>
+          <p:cNvPr id="36" name="PlaceHolder 1"/>
+          <p:cNvSpPr>
+            <a:spLocks noGrp="1"/>
+          </p:cNvSpPr>
+          <p:nvPr>
+            <p:ph type="title"/>
+          </p:nvPr>
+        </p:nvSpPr>
+        <p:spPr>
+          <a:xfrm>
+            <a:off x="457200" y="2254320"/>
+            <a:ext cx="9069120" cy="946080"/>
+          </a:xfrm>
+          <a:prstGeom prst="rect">
+            <a:avLst/>
+          </a:prstGeom>
+          <a:noFill/>
+          <a:ln w="0">
+            <a:noFill/>
+          </a:ln>
+        </p:spPr>
+        <p:txBody>
+          <a:bodyPr lIns="0" rIns="0" tIns="0" bIns="0" anchor="ctr">
+            <a:noAutofit/>
+          </a:bodyPr>
+          <a:p>
+            <a:pPr indent="0" algn="ctr">
+              <a:buNone/>
+            </a:pPr>
+            <a:r>
+              <a:rPr b="0" lang="en-US" sz="4400" spc="-1" strike="noStrike">
+                <a:solidFill>
+                  <a:srgbClr val="000000"/>
+                </a:solidFill>
+                <a:latin typeface="Consolas"/>
+              </a:rPr>
+              <a:t>Selection Sort</a:t>
+            </a:r>
+            <a:endParaRPr b="0" lang="en-US" sz="4400" spc="-1" strike="noStrike">
+              <a:solidFill>
+                <a:srgbClr val="000000"/>
+              </a:solidFill>
+              <a:latin typeface="Consolas"/>
+            </a:endParaRPr>
+          </a:p>
+        </p:txBody>
+      </p:sp>
     </p:spTree>
   </p:cSld>
   <mc:AlternateContent>
@@ -1499,224 +2533,29 @@
           <a:chExt cx="0" cy="0"/>
         </a:xfrm>
       </p:grpSpPr>
-      <p:sp>
-        <p:nvSpPr>
-          <p:cNvPr id="27" name="PlaceHolder 1"/>
-          <p:cNvSpPr>
-            <a:spLocks noGrp="1"/>
-          </p:cNvSpPr>
-          <p:nvPr>
-            <p:ph type="title"/>
-          </p:nvPr>
-        </p:nvSpPr>
-        <p:spPr>
-          <a:xfrm>
-            <a:off x="503640" y="225720"/>
-            <a:ext cx="9068760" cy="946440"/>
-          </a:xfrm>
-          <a:prstGeom prst="rect">
-            <a:avLst/>
-          </a:prstGeom>
-          <a:noFill/>
-          <a:ln w="0">
-            <a:noFill/>
-          </a:ln>
-        </p:spPr>
-        <p:txBody>
-          <a:bodyPr lIns="0" rIns="0" tIns="0" bIns="0" anchor="ctr">
-            <a:noAutofit/>
-          </a:bodyPr>
-          <a:p>
-            <a:pPr indent="0" algn="ctr">
-              <a:buNone/>
-            </a:pPr>
-            <a:r>
-              <a:rPr b="0" lang="en-US" sz="3400" spc="-1" strike="noStrike">
-                <a:solidFill>
-                  <a:srgbClr val="000000"/>
-                </a:solidFill>
-                <a:latin typeface="Consolas"/>
-              </a:rPr>
-              <a:t>Characteristics of an algorithm</a:t>
-            </a:r>
-            <a:endParaRPr b="0" lang="en-US" sz="3400" spc="-1" strike="noStrike">
-              <a:solidFill>
-                <a:srgbClr val="000000"/>
-              </a:solidFill>
-              <a:latin typeface="Consolas"/>
-            </a:endParaRPr>
-          </a:p>
-        </p:txBody>
-      </p:sp>
-      <p:sp>
-        <p:nvSpPr>
-          <p:cNvPr id="28" name="PlaceHolder 2"/>
-          <p:cNvSpPr>
-            <a:spLocks noGrp="1"/>
-          </p:cNvSpPr>
-          <p:nvPr>
-            <p:ph/>
-          </p:nvPr>
-        </p:nvSpPr>
-        <p:spPr>
-          <a:xfrm>
-            <a:off x="503640" y="1326240"/>
-            <a:ext cx="9068760" cy="3287880"/>
-          </a:xfrm>
-          <a:prstGeom prst="rect">
-            <a:avLst/>
-          </a:prstGeom>
-          <a:noFill/>
-          <a:ln w="0">
-            <a:noFill/>
-          </a:ln>
-        </p:spPr>
-        <p:txBody>
-          <a:bodyPr lIns="0" rIns="0" tIns="0" bIns="0" anchor="t">
-            <a:normAutofit/>
-          </a:bodyPr>
-          <a:p>
-            <a:pPr marL="432000" indent="-324000">
-              <a:spcBef>
-                <a:spcPts val="1414"/>
-              </a:spcBef>
-              <a:buClr>
-                <a:srgbClr val="000000"/>
-              </a:buClr>
-              <a:buSzPct val="45000"/>
-              <a:buFont typeface="Wingdings" charset="2"/>
-              <a:buChar char=""/>
-            </a:pPr>
-            <a:r>
-              <a:rPr b="0" lang="en-US" sz="3200" spc="-1" strike="noStrike">
-                <a:solidFill>
-                  <a:srgbClr val="000000"/>
-                </a:solidFill>
-                <a:latin typeface="Consolas"/>
-              </a:rPr>
-              <a:t>Clear and unambiguous</a:t>
-            </a:r>
-            <a:endParaRPr b="0" lang="en-US" sz="3200" spc="-1" strike="noStrike">
-              <a:solidFill>
-                <a:srgbClr val="000000"/>
-              </a:solidFill>
-              <a:latin typeface="Consolas"/>
-            </a:endParaRPr>
-          </a:p>
-          <a:p>
-            <a:pPr marL="432000" indent="-324000">
-              <a:spcBef>
-                <a:spcPts val="1414"/>
-              </a:spcBef>
-              <a:buClr>
-                <a:srgbClr val="000000"/>
-              </a:buClr>
-              <a:buSzPct val="45000"/>
-              <a:buFont typeface="Wingdings" charset="2"/>
-              <a:buChar char=""/>
-            </a:pPr>
-            <a:r>
-              <a:rPr b="0" lang="en-US" sz="3200" spc="-1" strike="noStrike">
-                <a:solidFill>
-                  <a:srgbClr val="000000"/>
-                </a:solidFill>
-                <a:latin typeface="Consolas"/>
-              </a:rPr>
-              <a:t>Well-defined inputs</a:t>
-            </a:r>
-            <a:endParaRPr b="0" lang="en-US" sz="3200" spc="-1" strike="noStrike">
-              <a:solidFill>
-                <a:srgbClr val="000000"/>
-              </a:solidFill>
-              <a:latin typeface="Consolas"/>
-            </a:endParaRPr>
-          </a:p>
-          <a:p>
-            <a:pPr marL="432000" indent="-324000">
-              <a:spcBef>
-                <a:spcPts val="1414"/>
-              </a:spcBef>
-              <a:buClr>
-                <a:srgbClr val="000000"/>
-              </a:buClr>
-              <a:buSzPct val="45000"/>
-              <a:buFont typeface="Wingdings" charset="2"/>
-              <a:buChar char=""/>
-            </a:pPr>
-            <a:r>
-              <a:rPr b="0" lang="en-US" sz="3200" spc="-1" strike="noStrike">
-                <a:solidFill>
-                  <a:srgbClr val="000000"/>
-                </a:solidFill>
-                <a:latin typeface="Consolas"/>
-              </a:rPr>
-              <a:t>Well-defined outputs</a:t>
-            </a:r>
-            <a:endParaRPr b="0" lang="en-US" sz="3200" spc="-1" strike="noStrike">
-              <a:solidFill>
-                <a:srgbClr val="000000"/>
-              </a:solidFill>
-              <a:latin typeface="Consolas"/>
-            </a:endParaRPr>
-          </a:p>
-          <a:p>
-            <a:pPr marL="432000" indent="-324000">
-              <a:spcBef>
-                <a:spcPts val="1414"/>
-              </a:spcBef>
-              <a:buClr>
-                <a:srgbClr val="000000"/>
-              </a:buClr>
-              <a:buSzPct val="45000"/>
-              <a:buFont typeface="Wingdings" charset="2"/>
-              <a:buChar char=""/>
-            </a:pPr>
-            <a:r>
-              <a:rPr b="0" lang="en-US" sz="3200" spc="-1" strike="noStrike">
-                <a:solidFill>
-                  <a:srgbClr val="000000"/>
-                </a:solidFill>
-                <a:latin typeface="Consolas"/>
-              </a:rPr>
-              <a:t>Finiteness</a:t>
-            </a:r>
-            <a:endParaRPr b="0" lang="en-US" sz="3200" spc="-1" strike="noStrike">
-              <a:solidFill>
-                <a:srgbClr val="000000"/>
-              </a:solidFill>
-              <a:latin typeface="Consolas"/>
-            </a:endParaRPr>
-          </a:p>
-          <a:p>
-            <a:pPr marL="432000" indent="-324000">
-              <a:spcBef>
-                <a:spcPts val="1414"/>
-              </a:spcBef>
-              <a:buClr>
-                <a:srgbClr val="000000"/>
-              </a:buClr>
-              <a:buSzPct val="45000"/>
-              <a:buFont typeface="Wingdings" charset="2"/>
-              <a:buChar char=""/>
-            </a:pPr>
-            <a:r>
-              <a:rPr b="0" lang="en-US" sz="3200" spc="-1" strike="noStrike">
-                <a:solidFill>
-                  <a:srgbClr val="000000"/>
-                </a:solidFill>
-                <a:latin typeface="Consolas"/>
-              </a:rPr>
-              <a:t>Language independent</a:t>
-            </a:r>
-            <a:endParaRPr b="0" lang="en-US" sz="3200" spc="-1" strike="noStrike">
-              <a:solidFill>
-                <a:srgbClr val="000000"/>
-              </a:solidFill>
-              <a:latin typeface="Consolas"/>
-            </a:endParaRPr>
-          </a:p>
-        </p:txBody>
-      </p:sp>
+      <p:pic>
+        <p:nvPicPr>
+          <p:cNvPr id="37" name="" descr=""/>
+          <p:cNvPicPr/>
+          <p:nvPr/>
+        </p:nvPicPr>
+        <p:blipFill>
+          <a:blip r:embed="rId1"/>
+          <a:stretch/>
+        </p:blipFill>
+        <p:spPr>
+          <a:xfrm>
+            <a:off x="228600" y="1600200"/>
+            <a:ext cx="9718560" cy="2249280"/>
+          </a:xfrm>
+          <a:prstGeom prst="rect">
+            <a:avLst/>
+          </a:prstGeom>
+          <a:ln w="0">
+            <a:noFill/>
+          </a:ln>
+        </p:spPr>
+      </p:pic>
     </p:spTree>
   </p:cSld>
   <mc:AlternateContent>
@@ -1749,7 +2588,7 @@
       </p:grpSpPr>
       <p:sp>
         <p:nvSpPr>
-          <p:cNvPr id="29" name="PlaceHolder 1"/>
+          <p:cNvPr id="38" name="PlaceHolder 1"/>
           <p:cNvSpPr>
             <a:spLocks noGrp="1"/>
           </p:cNvSpPr>
@@ -1759,8 +2598,8 @@
         </p:nvSpPr>
         <p:spPr>
           <a:xfrm>
-            <a:off x="457200" y="425160"/>
-            <a:ext cx="9068760" cy="946440"/>
+            <a:off x="503640" y="225720"/>
+            <a:ext cx="9068400" cy="946080"/>
           </a:xfrm>
           <a:prstGeom prst="rect">
             <a:avLst/>
@@ -1776,7 +2615,542 @@
           </a:bodyPr>
           <a:p>
             <a:pPr indent="0" algn="ctr">
+              <a:lnSpc>
+                <a:spcPct val="100000"/>
+              </a:lnSpc>
               <a:buNone/>
+              <a:tabLst>
+                <a:tab algn="l" pos="0"/>
+              </a:tabLst>
+            </a:pPr>
+            <a:r>
+              <a:rPr b="0" lang="en-US" sz="4400" spc="-1" strike="noStrike">
+                <a:solidFill>
+                  <a:srgbClr val="000000"/>
+                </a:solidFill>
+                <a:latin typeface="Consolas"/>
+              </a:rPr>
+              <a:t>Why we need algorithms?</a:t>
+            </a:r>
+            <a:endParaRPr b="0" lang="en-US" sz="4400" spc="-1" strike="noStrike">
+              <a:solidFill>
+                <a:srgbClr val="000000"/>
+              </a:solidFill>
+              <a:latin typeface="Arial"/>
+            </a:endParaRPr>
+          </a:p>
+        </p:txBody>
+      </p:sp>
+      <p:sp>
+        <p:nvSpPr>
+          <p:cNvPr id="39" name="PlaceHolder 2"/>
+          <p:cNvSpPr>
+            <a:spLocks noGrp="1"/>
+          </p:cNvSpPr>
+          <p:nvPr>
+            <p:ph/>
+          </p:nvPr>
+        </p:nvSpPr>
+        <p:spPr>
+          <a:xfrm>
+            <a:off x="503640" y="1326240"/>
+            <a:ext cx="9068400" cy="3287520"/>
+          </a:xfrm>
+          <a:prstGeom prst="rect">
+            <a:avLst/>
+          </a:prstGeom>
+          <a:noFill/>
+          <a:ln w="0">
+            <a:noFill/>
+          </a:ln>
+        </p:spPr>
+        <p:txBody>
+          <a:bodyPr lIns="0" rIns="0" tIns="0" bIns="0" anchor="t">
+            <a:normAutofit/>
+          </a:bodyPr>
+          <a:p>
+            <a:pPr marL="432000" indent="-324000">
+              <a:lnSpc>
+                <a:spcPct val="100000"/>
+              </a:lnSpc>
+              <a:spcBef>
+                <a:spcPts val="1414"/>
+              </a:spcBef>
+              <a:buClr>
+                <a:srgbClr val="000000"/>
+              </a:buClr>
+              <a:buSzPct val="45000"/>
+              <a:buFont typeface="Wingdings" charset="2"/>
+              <a:buChar char=""/>
+            </a:pPr>
+            <a:r>
+              <a:rPr b="0" lang="en-US" sz="2600" spc="-1" strike="noStrike">
+                <a:solidFill>
+                  <a:srgbClr val="000000"/>
+                </a:solidFill>
+                <a:latin typeface="Consolas"/>
+              </a:rPr>
+              <a:t>Solving problems (by breaking them down in smaller steps)</a:t>
+            </a:r>
+            <a:endParaRPr b="0" lang="en-US" sz="2600" spc="-1" strike="noStrike">
+              <a:solidFill>
+                <a:srgbClr val="000000"/>
+              </a:solidFill>
+              <a:latin typeface="Arial"/>
+            </a:endParaRPr>
+          </a:p>
+          <a:p>
+            <a:pPr marL="432000" indent="-324000">
+              <a:lnSpc>
+                <a:spcPct val="100000"/>
+              </a:lnSpc>
+              <a:spcBef>
+                <a:spcPts val="1414"/>
+              </a:spcBef>
+              <a:buClr>
+                <a:srgbClr val="000000"/>
+              </a:buClr>
+              <a:buSzPct val="45000"/>
+              <a:buFont typeface="Wingdings" charset="2"/>
+              <a:buChar char=""/>
+            </a:pPr>
+            <a:r>
+              <a:rPr b="0" lang="en-US" sz="2600" spc="-1" strike="noStrike">
+                <a:solidFill>
+                  <a:srgbClr val="000000"/>
+                </a:solidFill>
+                <a:latin typeface="Consolas"/>
+              </a:rPr>
+              <a:t>Optimizing solutions (Algorithms find the near-optimal solutions to problems)</a:t>
+            </a:r>
+            <a:endParaRPr b="0" lang="en-US" sz="2600" spc="-1" strike="noStrike">
+              <a:solidFill>
+                <a:srgbClr val="000000"/>
+              </a:solidFill>
+              <a:latin typeface="Arial"/>
+            </a:endParaRPr>
+          </a:p>
+          <a:p>
+            <a:pPr marL="432000" indent="-324000">
+              <a:lnSpc>
+                <a:spcPct val="100000"/>
+              </a:lnSpc>
+              <a:spcBef>
+                <a:spcPts val="1414"/>
+              </a:spcBef>
+              <a:buClr>
+                <a:srgbClr val="000000"/>
+              </a:buClr>
+              <a:buSzPct val="45000"/>
+              <a:buFont typeface="Wingdings" charset="2"/>
+              <a:buChar char=""/>
+            </a:pPr>
+            <a:r>
+              <a:rPr b="0" lang="en-US" sz="2600" spc="-1" strike="noStrike">
+                <a:solidFill>
+                  <a:srgbClr val="000000"/>
+                </a:solidFill>
+                <a:latin typeface="Consolas"/>
+              </a:rPr>
+              <a:t>Automating tasks (it can automate repetitive or complex tasks, saving time and effort)</a:t>
+            </a:r>
+            <a:endParaRPr b="0" lang="en-US" sz="2600" spc="-1" strike="noStrike">
+              <a:solidFill>
+                <a:srgbClr val="000000"/>
+              </a:solidFill>
+              <a:latin typeface="Arial"/>
+            </a:endParaRPr>
+          </a:p>
+        </p:txBody>
+      </p:sp>
+    </p:spTree>
+  </p:cSld>
+  <mc:AlternateContent>
+    <mc:Choice Requires="p14">
+      <p:transition spd="slow" p14:dur="2000"/>
+    </mc:Choice>
+    <mc:Fallback>
+      <p:transition spd="slow"/>
+    </mc:Fallback>
+  </mc:AlternateContent>
+</p:sld>
+</file>
+
+<file path=ppt/slides/slide17.xml><?xml version="1.0" encoding="utf-8"?>
+<p:sld xmlns:a="http://schemas.openxmlformats.org/drawingml/2006/main" xmlns:p="http://schemas.openxmlformats.org/presentationml/2006/main" xmlns:r="http://schemas.openxmlformats.org/officeDocument/2006/relationships" xmlns:p14="http://schemas.microsoft.com/office/powerpoint/2010/main" xmlns:p15="http://schemas.microsoft.com/office/powerpoint/2012/main" xmlns:mc="http://schemas.openxmlformats.org/markup-compatibility/2006">
+  <p:cSld>
+    <p:spTree>
+      <p:nvGrpSpPr>
+        <p:cNvPr id="1" name=""/>
+        <p:cNvGrpSpPr/>
+        <p:nvPr/>
+      </p:nvGrpSpPr>
+      <p:grpSpPr>
+        <a:xfrm>
+          <a:off x="0" y="0"/>
+          <a:ext cx="0" cy="0"/>
+          <a:chOff x="0" y="0"/>
+          <a:chExt cx="0" cy="0"/>
+        </a:xfrm>
+      </p:grpSpPr>
+      <p:pic>
+        <p:nvPicPr>
+          <p:cNvPr id="40" name="" descr=""/>
+          <p:cNvPicPr/>
+          <p:nvPr/>
+        </p:nvPicPr>
+        <p:blipFill>
+          <a:blip r:embed="rId1"/>
+          <a:stretch/>
+        </p:blipFill>
+        <p:spPr>
+          <a:xfrm>
+            <a:off x="457560" y="343080"/>
+            <a:ext cx="9143280" cy="5142960"/>
+          </a:xfrm>
+          <a:prstGeom prst="rect">
+            <a:avLst/>
+          </a:prstGeom>
+          <a:ln w="0">
+            <a:noFill/>
+          </a:ln>
+        </p:spPr>
+      </p:pic>
+    </p:spTree>
+  </p:cSld>
+  <mc:AlternateContent>
+    <mc:Choice Requires="p14">
+      <p:transition spd="slow" p14:dur="2000"/>
+    </mc:Choice>
+    <mc:Fallback>
+      <p:transition spd="slow"/>
+    </mc:Fallback>
+  </mc:AlternateContent>
+</p:sld>
+</file>
+
+<file path=ppt/slides/slide18.xml><?xml version="1.0" encoding="utf-8"?>
+<p:sld xmlns:a="http://schemas.openxmlformats.org/drawingml/2006/main" xmlns:p="http://schemas.openxmlformats.org/presentationml/2006/main" xmlns:r="http://schemas.openxmlformats.org/officeDocument/2006/relationships" xmlns:p14="http://schemas.microsoft.com/office/powerpoint/2010/main" xmlns:p15="http://schemas.microsoft.com/office/powerpoint/2012/main" xmlns:mc="http://schemas.openxmlformats.org/markup-compatibility/2006">
+  <p:cSld>
+    <p:spTree>
+      <p:nvGrpSpPr>
+        <p:cNvPr id="1" name=""/>
+        <p:cNvGrpSpPr/>
+        <p:nvPr/>
+      </p:nvGrpSpPr>
+      <p:grpSpPr>
+        <a:xfrm>
+          <a:off x="0" y="0"/>
+          <a:ext cx="0" cy="0"/>
+          <a:chOff x="0" y="0"/>
+          <a:chExt cx="0" cy="0"/>
+        </a:xfrm>
+      </p:grpSpPr>
+      <p:sp>
+        <p:nvSpPr>
+          <p:cNvPr id="41" name="PlaceHolder 1"/>
+          <p:cNvSpPr>
+            <a:spLocks noGrp="1"/>
+          </p:cNvSpPr>
+          <p:nvPr>
+            <p:ph type="title"/>
+          </p:nvPr>
+        </p:nvSpPr>
+        <p:spPr>
+          <a:xfrm>
+            <a:off x="503640" y="225720"/>
+            <a:ext cx="9068400" cy="946080"/>
+          </a:xfrm>
+          <a:prstGeom prst="rect">
+            <a:avLst/>
+          </a:prstGeom>
+          <a:noFill/>
+          <a:ln w="0">
+            <a:noFill/>
+          </a:ln>
+        </p:spPr>
+        <p:txBody>
+          <a:bodyPr lIns="0" rIns="0" tIns="0" bIns="0" anchor="ctr">
+            <a:noAutofit/>
+          </a:bodyPr>
+          <a:p>
+            <a:pPr indent="0" algn="ctr">
+              <a:lnSpc>
+                <a:spcPct val="100000"/>
+              </a:lnSpc>
+              <a:buNone/>
+              <a:tabLst>
+                <a:tab algn="l" pos="0"/>
+              </a:tabLst>
+            </a:pPr>
+            <a:r>
+              <a:rPr b="0" lang="en-US" sz="3400" spc="-1" strike="noStrike">
+                <a:solidFill>
+                  <a:srgbClr val="000000"/>
+                </a:solidFill>
+                <a:latin typeface="Consolas"/>
+              </a:rPr>
+              <a:t>Characteristics of an algorithm</a:t>
+            </a:r>
+            <a:endParaRPr b="0" lang="en-US" sz="3400" spc="-1" strike="noStrike">
+              <a:solidFill>
+                <a:srgbClr val="000000"/>
+              </a:solidFill>
+              <a:latin typeface="Arial"/>
+            </a:endParaRPr>
+          </a:p>
+        </p:txBody>
+      </p:sp>
+      <p:sp>
+        <p:nvSpPr>
+          <p:cNvPr id="42" name="PlaceHolder 2"/>
+          <p:cNvSpPr>
+            <a:spLocks noGrp="1"/>
+          </p:cNvSpPr>
+          <p:nvPr>
+            <p:ph/>
+          </p:nvPr>
+        </p:nvSpPr>
+        <p:spPr>
+          <a:xfrm>
+            <a:off x="503640" y="1326240"/>
+            <a:ext cx="9068400" cy="3287520"/>
+          </a:xfrm>
+          <a:prstGeom prst="rect">
+            <a:avLst/>
+          </a:prstGeom>
+          <a:noFill/>
+          <a:ln w="0">
+            <a:noFill/>
+          </a:ln>
+        </p:spPr>
+        <p:txBody>
+          <a:bodyPr lIns="0" rIns="0" tIns="0" bIns="0" anchor="t">
+            <a:normAutofit/>
+          </a:bodyPr>
+          <a:p>
+            <a:pPr marL="432000" indent="-324000">
+              <a:lnSpc>
+                <a:spcPct val="100000"/>
+              </a:lnSpc>
+              <a:spcBef>
+                <a:spcPts val="1414"/>
+              </a:spcBef>
+              <a:buClr>
+                <a:srgbClr val="000000"/>
+              </a:buClr>
+              <a:buSzPct val="45000"/>
+              <a:buFont typeface="Wingdings" charset="2"/>
+              <a:buChar char=""/>
+            </a:pPr>
+            <a:r>
+              <a:rPr b="0" lang="en-US" sz="3200" spc="-1" strike="noStrike">
+                <a:solidFill>
+                  <a:srgbClr val="000000"/>
+                </a:solidFill>
+                <a:latin typeface="Consolas"/>
+              </a:rPr>
+              <a:t>Clear and unambiguous</a:t>
+            </a:r>
+            <a:endParaRPr b="0" lang="en-US" sz="3200" spc="-1" strike="noStrike">
+              <a:solidFill>
+                <a:srgbClr val="000000"/>
+              </a:solidFill>
+              <a:latin typeface="Arial"/>
+            </a:endParaRPr>
+          </a:p>
+          <a:p>
+            <a:pPr marL="432000" indent="-324000">
+              <a:lnSpc>
+                <a:spcPct val="100000"/>
+              </a:lnSpc>
+              <a:spcBef>
+                <a:spcPts val="1414"/>
+              </a:spcBef>
+              <a:buClr>
+                <a:srgbClr val="000000"/>
+              </a:buClr>
+              <a:buSzPct val="45000"/>
+              <a:buFont typeface="Wingdings" charset="2"/>
+              <a:buChar char=""/>
+            </a:pPr>
+            <a:r>
+              <a:rPr b="0" lang="en-US" sz="3200" spc="-1" strike="noStrike">
+                <a:solidFill>
+                  <a:srgbClr val="000000"/>
+                </a:solidFill>
+                <a:latin typeface="Consolas"/>
+              </a:rPr>
+              <a:t>Well-defined inputs</a:t>
+            </a:r>
+            <a:endParaRPr b="0" lang="en-US" sz="3200" spc="-1" strike="noStrike">
+              <a:solidFill>
+                <a:srgbClr val="000000"/>
+              </a:solidFill>
+              <a:latin typeface="Arial"/>
+            </a:endParaRPr>
+          </a:p>
+          <a:p>
+            <a:pPr marL="432000" indent="-324000">
+              <a:lnSpc>
+                <a:spcPct val="100000"/>
+              </a:lnSpc>
+              <a:spcBef>
+                <a:spcPts val="1414"/>
+              </a:spcBef>
+              <a:buClr>
+                <a:srgbClr val="000000"/>
+              </a:buClr>
+              <a:buSzPct val="45000"/>
+              <a:buFont typeface="Wingdings" charset="2"/>
+              <a:buChar char=""/>
+            </a:pPr>
+            <a:r>
+              <a:rPr b="0" lang="en-US" sz="3200" spc="-1" strike="noStrike">
+                <a:solidFill>
+                  <a:srgbClr val="000000"/>
+                </a:solidFill>
+                <a:latin typeface="Consolas"/>
+              </a:rPr>
+              <a:t>Well-defined outputs</a:t>
+            </a:r>
+            <a:endParaRPr b="0" lang="en-US" sz="3200" spc="-1" strike="noStrike">
+              <a:solidFill>
+                <a:srgbClr val="000000"/>
+              </a:solidFill>
+              <a:latin typeface="Arial"/>
+            </a:endParaRPr>
+          </a:p>
+          <a:p>
+            <a:pPr marL="432000" indent="-324000">
+              <a:lnSpc>
+                <a:spcPct val="100000"/>
+              </a:lnSpc>
+              <a:spcBef>
+                <a:spcPts val="1414"/>
+              </a:spcBef>
+              <a:buClr>
+                <a:srgbClr val="000000"/>
+              </a:buClr>
+              <a:buSzPct val="45000"/>
+              <a:buFont typeface="Wingdings" charset="2"/>
+              <a:buChar char=""/>
+            </a:pPr>
+            <a:r>
+              <a:rPr b="0" lang="en-US" sz="3200" spc="-1" strike="noStrike">
+                <a:solidFill>
+                  <a:srgbClr val="000000"/>
+                </a:solidFill>
+                <a:latin typeface="Consolas"/>
+              </a:rPr>
+              <a:t>Finiteness</a:t>
+            </a:r>
+            <a:endParaRPr b="0" lang="en-US" sz="3200" spc="-1" strike="noStrike">
+              <a:solidFill>
+                <a:srgbClr val="000000"/>
+              </a:solidFill>
+              <a:latin typeface="Arial"/>
+            </a:endParaRPr>
+          </a:p>
+          <a:p>
+            <a:pPr marL="432000" indent="-324000">
+              <a:lnSpc>
+                <a:spcPct val="100000"/>
+              </a:lnSpc>
+              <a:spcBef>
+                <a:spcPts val="1414"/>
+              </a:spcBef>
+              <a:buClr>
+                <a:srgbClr val="000000"/>
+              </a:buClr>
+              <a:buSzPct val="45000"/>
+              <a:buFont typeface="Wingdings" charset="2"/>
+              <a:buChar char=""/>
+            </a:pPr>
+            <a:r>
+              <a:rPr b="0" lang="en-US" sz="3200" spc="-1" strike="noStrike">
+                <a:solidFill>
+                  <a:srgbClr val="000000"/>
+                </a:solidFill>
+                <a:latin typeface="Consolas"/>
+              </a:rPr>
+              <a:t>Language independent</a:t>
+            </a:r>
+            <a:endParaRPr b="0" lang="en-US" sz="3200" spc="-1" strike="noStrike">
+              <a:solidFill>
+                <a:srgbClr val="000000"/>
+              </a:solidFill>
+              <a:latin typeface="Arial"/>
+            </a:endParaRPr>
+          </a:p>
+        </p:txBody>
+      </p:sp>
+    </p:spTree>
+  </p:cSld>
+  <mc:AlternateContent>
+    <mc:Choice Requires="p14">
+      <p:transition spd="slow" p14:dur="2000"/>
+    </mc:Choice>
+    <mc:Fallback>
+      <p:transition spd="slow"/>
+    </mc:Fallback>
+  </mc:AlternateContent>
+</p:sld>
+</file>
+
+<file path=ppt/slides/slide19.xml><?xml version="1.0" encoding="utf-8"?>
+<p:sld xmlns:a="http://schemas.openxmlformats.org/drawingml/2006/main" xmlns:p="http://schemas.openxmlformats.org/presentationml/2006/main" xmlns:r="http://schemas.openxmlformats.org/officeDocument/2006/relationships" xmlns:p14="http://schemas.microsoft.com/office/powerpoint/2010/main" xmlns:p15="http://schemas.microsoft.com/office/powerpoint/2012/main" xmlns:mc="http://schemas.openxmlformats.org/markup-compatibility/2006">
+  <p:cSld>
+    <p:spTree>
+      <p:nvGrpSpPr>
+        <p:cNvPr id="1" name=""/>
+        <p:cNvGrpSpPr/>
+        <p:nvPr/>
+      </p:nvGrpSpPr>
+      <p:grpSpPr>
+        <a:xfrm>
+          <a:off x="0" y="0"/>
+          <a:ext cx="0" cy="0"/>
+          <a:chOff x="0" y="0"/>
+          <a:chExt cx="0" cy="0"/>
+        </a:xfrm>
+      </p:grpSpPr>
+      <p:sp>
+        <p:nvSpPr>
+          <p:cNvPr id="43" name="PlaceHolder 1"/>
+          <p:cNvSpPr>
+            <a:spLocks noGrp="1"/>
+          </p:cNvSpPr>
+          <p:nvPr>
+            <p:ph type="title"/>
+          </p:nvPr>
+        </p:nvSpPr>
+        <p:spPr>
+          <a:xfrm>
+            <a:off x="457200" y="425160"/>
+            <a:ext cx="9068400" cy="946080"/>
+          </a:xfrm>
+          <a:prstGeom prst="rect">
+            <a:avLst/>
+          </a:prstGeom>
+          <a:noFill/>
+          <a:ln w="0">
+            <a:noFill/>
+          </a:ln>
+        </p:spPr>
+        <p:txBody>
+          <a:bodyPr lIns="0" rIns="0" tIns="0" bIns="0" anchor="ctr">
+            <a:noAutofit/>
+          </a:bodyPr>
+          <a:p>
+            <a:pPr indent="0" algn="ctr">
+              <a:lnSpc>
+                <a:spcPct val="100000"/>
+              </a:lnSpc>
+              <a:buNone/>
+              <a:tabLst>
+                <a:tab algn="l" pos="0"/>
+              </a:tabLst>
             </a:pPr>
             <a:r>
               <a:rPr b="0" i="1" lang="en-US" sz="4400" spc="-1" strike="noStrike" u="dotDash">
@@ -1784,30 +3158,29 @@
                   <a:srgbClr val="000000"/>
                 </a:solidFill>
                 <a:uFillTx/>
-                <a:latin typeface="Arial"/>
+                <a:latin typeface="Consolas"/>
               </a:rPr>
               <a:t>Thank You</a:t>
             </a:r>
-            <a:endParaRPr b="0" i="1" lang="en-US" sz="4400" spc="-1" strike="noStrike" u="dotDash">
-              <a:solidFill>
-                <a:srgbClr val="000000"/>
-              </a:solidFill>
-              <a:uFillTx/>
-              <a:latin typeface="Arial"/>
-            </a:endParaRPr>
-          </a:p>
-        </p:txBody>
-      </p:sp>
-      <p:sp>
-        <p:nvSpPr>
-          <p:cNvPr id="30" name=""/>
-          <p:cNvSpPr txBox="1"/>
+            <a:endParaRPr b="0" lang="en-US" sz="4400" spc="-1" strike="noStrike">
+              <a:solidFill>
+                <a:srgbClr val="000000"/>
+              </a:solidFill>
+              <a:latin typeface="Consolas"/>
+            </a:endParaRPr>
+          </a:p>
+        </p:txBody>
+      </p:sp>
+      <p:sp>
+        <p:nvSpPr>
+          <p:cNvPr id="44" name=""/>
+          <p:cNvSpPr/>
           <p:nvPr/>
         </p:nvSpPr>
         <p:spPr>
           <a:xfrm>
-            <a:off x="60120" y="4572000"/>
-            <a:ext cx="9769680" cy="602280"/>
+            <a:off x="60480" y="4572000"/>
+            <a:ext cx="9769320" cy="601920"/>
           </a:xfrm>
           <a:prstGeom prst="rect">
             <a:avLst/>
@@ -1817,47 +3190,63 @@
             <a:noFill/>
           </a:ln>
         </p:spPr>
+        <p:style>
+          <a:lnRef idx="0"/>
+          <a:fillRef idx="0"/>
+          <a:effectRef idx="0"/>
+          <a:fontRef idx="minor"/>
+        </p:style>
         <p:txBody>
           <a:bodyPr wrap="none" lIns="90000" rIns="90000" tIns="45000" bIns="45000" anchor="t">
             <a:noAutofit/>
           </a:bodyPr>
           <a:p>
-            <a:r>
-              <a:rPr b="0" lang="en-US" sz="1800" spc="-1" strike="noStrike">
-                <a:solidFill>
-                  <a:srgbClr val="000000"/>
-                </a:solidFill>
-                <a:latin typeface="Arial"/>
+            <a:pPr>
+              <a:lnSpc>
+                <a:spcPct val="100000"/>
+              </a:lnSpc>
+            </a:pPr>
+            <a:r>
+              <a:rPr b="0" lang="en-US" sz="1500" spc="-1" strike="noStrike">
+                <a:solidFill>
+                  <a:srgbClr val="000000"/>
+                </a:solidFill>
+                <a:latin typeface="Consolas"/>
               </a:rPr>
               <a:t>We ran out of budget, emotional investment, attention span, &amp; the need to score internal marks</a:t>
             </a:r>
-            <a:endParaRPr b="0" lang="en-US" sz="1800" spc="-1" strike="noStrike">
-              <a:solidFill>
-                <a:srgbClr val="000000"/>
-              </a:solidFill>
-              <a:latin typeface="Arial"/>
-            </a:endParaRPr>
-          </a:p>
-          <a:p>
-            <a:endParaRPr b="0" lang="en-US" sz="1800" spc="-1" strike="noStrike">
-              <a:solidFill>
-                <a:srgbClr val="000000"/>
-              </a:solidFill>
-              <a:latin typeface="Arial"/>
-            </a:endParaRPr>
-          </a:p>
-        </p:txBody>
-      </p:sp>
-      <p:sp>
-        <p:nvSpPr>
-          <p:cNvPr id="31" name=""/>
-          <p:cNvSpPr txBox="1"/>
+            <a:endParaRPr b="0" lang="en-US" sz="1500" spc="-1" strike="noStrike">
+              <a:solidFill>
+                <a:srgbClr val="000000"/>
+              </a:solidFill>
+              <a:latin typeface="Consolas"/>
+            </a:endParaRPr>
+          </a:p>
+          <a:p>
+            <a:pPr>
+              <a:lnSpc>
+                <a:spcPct val="100000"/>
+              </a:lnSpc>
+            </a:pPr>
+            <a:endParaRPr b="0" lang="en-US" sz="1500" spc="-1" strike="noStrike">
+              <a:solidFill>
+                <a:srgbClr val="000000"/>
+              </a:solidFill>
+              <a:latin typeface="Consolas"/>
+            </a:endParaRPr>
+          </a:p>
+        </p:txBody>
+      </p:sp>
+      <p:sp>
+        <p:nvSpPr>
+          <p:cNvPr id="45" name=""/>
+          <p:cNvSpPr/>
           <p:nvPr/>
         </p:nvSpPr>
         <p:spPr>
           <a:xfrm>
-            <a:off x="3429000" y="1828800"/>
-            <a:ext cx="2788200" cy="602280"/>
+            <a:off x="2698560" y="1828800"/>
+            <a:ext cx="4845240" cy="914400"/>
           </a:xfrm>
           <a:prstGeom prst="rect">
             <a:avLst/>
@@ -1867,68 +3256,102 @@
             <a:noFill/>
           </a:ln>
         </p:spPr>
+        <p:style>
+          <a:lnRef idx="0"/>
+          <a:fillRef idx="0"/>
+          <a:effectRef idx="0"/>
+          <a:fontRef idx="minor"/>
+        </p:style>
         <p:txBody>
           <a:bodyPr wrap="none" lIns="90000" rIns="90000" tIns="45000" bIns="45000" anchor="t">
             <a:noAutofit/>
           </a:bodyPr>
           <a:p>
-            <a:r>
-              <a:rPr b="0" lang="en-US" sz="1800" spc="-1" strike="noStrike">
+            <a:pPr>
+              <a:lnSpc>
+                <a:spcPct val="100000"/>
+              </a:lnSpc>
+            </a:pPr>
+            <a:r>
+              <a:rPr b="0" lang="en-US" sz="2400" spc="-1" strike="noStrike">
                 <a:solidFill>
                   <a:srgbClr val="ffffff"/>
                 </a:solidFill>
                 <a:highlight>
                   <a:srgbClr val="000000"/>
                 </a:highlight>
-                <a:latin typeface="Arial"/>
-              </a:rPr>
-              <a:t>Sanjeev :-        @sanji.jpg</a:t>
-            </a:r>
-            <a:endParaRPr b="0" lang="en-US" sz="1800" spc="-1" strike="noStrike">
-              <a:solidFill>
-                <a:srgbClr val="ffffff"/>
-              </a:solidFill>
-              <a:highlight>
-                <a:srgbClr val="000000"/>
-              </a:highlight>
-              <a:latin typeface="Arial"/>
-            </a:endParaRPr>
-          </a:p>
-          <a:p>
-            <a:r>
-              <a:rPr b="0" lang="en-US" sz="1800" spc="-1" strike="noStrike">
+                <a:latin typeface="Consolas"/>
+              </a:rPr>
+              <a:t> </a:t>
+            </a:r>
+            <a:r>
+              <a:rPr b="0" lang="en-US" sz="2400" spc="-1" strike="noStrike">
                 <a:solidFill>
                   <a:srgbClr val="ffffff"/>
                 </a:solidFill>
                 <a:highlight>
                   <a:srgbClr val="000000"/>
                 </a:highlight>
-                <a:latin typeface="Arial"/>
-              </a:rPr>
-              <a:t>Aditya Vikram:  @avkrxm</a:t>
-            </a:r>
-            <a:endParaRPr b="0" lang="en-US" sz="1800" spc="-1" strike="noStrike">
-              <a:solidFill>
-                <a:srgbClr val="ffffff"/>
-              </a:solidFill>
-              <a:highlight>
-                <a:srgbClr val="000000"/>
-              </a:highlight>
-              <a:latin typeface="Arial"/>
-            </a:endParaRPr>
-          </a:p>
-        </p:txBody>
-      </p:sp>
-      <p:sp>
-        <p:nvSpPr>
-          <p:cNvPr id="32" name=""/>
-          <p:cNvSpPr txBox="1"/>
+                <a:latin typeface="Consolas"/>
+              </a:rPr>
+              <a:t>Sanjeev :-        @sanji.jpg </a:t>
+            </a:r>
+            <a:endParaRPr b="0" lang="en-US" sz="2400" spc="-1" strike="noStrike">
+              <a:solidFill>
+                <a:srgbClr val="000000"/>
+              </a:solidFill>
+              <a:latin typeface="Consolas"/>
+            </a:endParaRPr>
+          </a:p>
+          <a:p>
+            <a:pPr>
+              <a:lnSpc>
+                <a:spcPct val="100000"/>
+              </a:lnSpc>
+            </a:pPr>
+            <a:r>
+              <a:rPr b="0" lang="en-US" sz="2400" spc="-1" strike="noStrike">
+                <a:solidFill>
+                  <a:srgbClr val="ffffff"/>
+                </a:solidFill>
+                <a:highlight>
+                  <a:srgbClr val="000000"/>
+                </a:highlight>
+                <a:latin typeface="Consolas"/>
+              </a:rPr>
+              <a:t> </a:t>
+            </a:r>
+            <a:r>
+              <a:rPr b="0" lang="en-US" sz="2400" spc="-1" strike="noStrike">
+                <a:solidFill>
+                  <a:srgbClr val="ffffff"/>
+                </a:solidFill>
+                <a:highlight>
+                  <a:srgbClr val="000000"/>
+                </a:highlight>
+                <a:latin typeface="Consolas"/>
+              </a:rPr>
+              <a:t>Aditya Vikram:-      @avkrxm </a:t>
+            </a:r>
+            <a:endParaRPr b="0" lang="en-US" sz="2400" spc="-1" strike="noStrike">
+              <a:solidFill>
+                <a:srgbClr val="000000"/>
+              </a:solidFill>
+              <a:latin typeface="Consolas"/>
+            </a:endParaRPr>
+          </a:p>
+        </p:txBody>
+      </p:sp>
+      <p:sp>
+        <p:nvSpPr>
+          <p:cNvPr id="46" name=""/>
+          <p:cNvSpPr/>
           <p:nvPr/>
         </p:nvSpPr>
         <p:spPr>
           <a:xfrm>
             <a:off x="2967840" y="3200400"/>
-            <a:ext cx="3661560" cy="346320"/>
+            <a:ext cx="3661200" cy="345960"/>
           </a:xfrm>
           <a:prstGeom prst="rect">
             <a:avLst/>
@@ -1938,17 +3361,28 @@
             <a:noFill/>
           </a:ln>
         </p:spPr>
+        <p:style>
+          <a:lnRef idx="0"/>
+          <a:fillRef idx="0"/>
+          <a:effectRef idx="0"/>
+          <a:fontRef idx="minor"/>
+        </p:style>
         <p:txBody>
           <a:bodyPr wrap="none" lIns="90000" rIns="90000" tIns="45000" bIns="45000" anchor="t">
             <a:noAutofit/>
           </a:bodyPr>
           <a:p>
+            <a:pPr>
+              <a:lnSpc>
+                <a:spcPct val="100000"/>
+              </a:lnSpc>
+            </a:pPr>
             <a:r>
               <a:rPr b="0" lang="en-US" sz="1800" spc="-1" strike="noStrike">
                 <a:solidFill>
                   <a:srgbClr val="000000"/>
                 </a:solidFill>
-                <a:latin typeface="Arial"/>
+                <a:latin typeface="Consolas"/>
               </a:rPr>
               <a:t>Follow us for presentation tutorials</a:t>
             </a:r>
@@ -1956,7 +3390,7 @@
               <a:solidFill>
                 <a:srgbClr val="000000"/>
               </a:solidFill>
-              <a:latin typeface="Arial"/>
+              <a:latin typeface="Consolas"/>
             </a:endParaRPr>
           </a:p>
         </p:txBody>
@@ -1993,7 +3427,7 @@
       </p:grpSpPr>
       <p:sp>
         <p:nvSpPr>
-          <p:cNvPr id="11" name="PlaceHolder 1"/>
+          <p:cNvPr id="22" name="PlaceHolder 1"/>
           <p:cNvSpPr>
             <a:spLocks noGrp="1"/>
           </p:cNvSpPr>
@@ -2004,7 +3438,7 @@
         <p:spPr>
           <a:xfrm>
             <a:off x="503640" y="225720"/>
-            <a:ext cx="9068760" cy="946440"/>
+            <a:ext cx="9068400" cy="946080"/>
           </a:xfrm>
           <a:prstGeom prst="rect">
             <a:avLst/>
@@ -2020,7 +3454,13 @@
           </a:bodyPr>
           <a:p>
             <a:pPr indent="0" algn="ctr">
+              <a:lnSpc>
+                <a:spcPct val="100000"/>
+              </a:lnSpc>
               <a:buNone/>
+              <a:tabLst>
+                <a:tab algn="l" pos="0"/>
+              </a:tabLst>
             </a:pPr>
             <a:r>
               <a:rPr b="0" lang="en-US" sz="4400" spc="-1" strike="noStrike">
@@ -2035,14 +3475,14 @@
               <a:solidFill>
                 <a:srgbClr val="000000"/>
               </a:solidFill>
-              <a:latin typeface="Consolas"/>
-            </a:endParaRPr>
-          </a:p>
-        </p:txBody>
-      </p:sp>
-      <p:sp>
-        <p:nvSpPr>
-          <p:cNvPr id="12" name="PlaceHolder 2"/>
+              <a:latin typeface="Arial"/>
+            </a:endParaRPr>
+          </a:p>
+        </p:txBody>
+      </p:sp>
+      <p:sp>
+        <p:nvSpPr>
+          <p:cNvPr id="23" name="PlaceHolder 2"/>
           <p:cNvSpPr>
             <a:spLocks noGrp="1"/>
           </p:cNvSpPr>
@@ -2053,7 +3493,7 @@
         <p:spPr>
           <a:xfrm>
             <a:off x="503640" y="1326240"/>
-            <a:ext cx="9068760" cy="3287880"/>
+            <a:ext cx="9068400" cy="3287520"/>
           </a:xfrm>
           <a:prstGeom prst="rect">
             <a:avLst/>
@@ -2069,6 +3509,9 @@
           </a:bodyPr>
           <a:p>
             <a:pPr marL="432000" indent="-324000">
+              <a:lnSpc>
+                <a:spcPct val="100000"/>
+              </a:lnSpc>
               <a:spcBef>
                 <a:spcPts val="1414"/>
               </a:spcBef>
@@ -2086,26 +3529,20 @@
                 </a:solidFill>
                 <a:latin typeface="Consolas"/>
               </a:rPr>
-              <a:t>Algorithm is a step-by-step procedure </a:t>
-            </a:r>
-            <a:r>
-              <a:rPr b="0" lang="en-US" sz="3200" spc="-1" strike="noStrike">
-                <a:solidFill>
-                  <a:srgbClr val="000000"/>
-                </a:solidFill>
-                <a:latin typeface="Consolas"/>
-              </a:rPr>
-              <a:t>for solving or accomplishing a task.</a:t>
+              <a:t>Algorithm is a step-by-step procedure for solving or accomplishing a task.</a:t>
             </a:r>
             <a:endParaRPr b="0" lang="en-US" sz="3200" spc="-1" strike="noStrike">
               <a:solidFill>
                 <a:srgbClr val="000000"/>
               </a:solidFill>
-              <a:latin typeface="Consolas"/>
+              <a:latin typeface="Arial"/>
             </a:endParaRPr>
           </a:p>
           <a:p>
             <a:pPr marL="432000" indent="-324000">
+              <a:lnSpc>
+                <a:spcPct val="100000"/>
+              </a:lnSpc>
               <a:spcBef>
                 <a:spcPts val="1414"/>
               </a:spcBef>
@@ -2123,26 +3560,20 @@
                 </a:solidFill>
                 <a:latin typeface="Consolas"/>
               </a:rPr>
-              <a:t>It is well-defined set of instructions </a:t>
-            </a:r>
-            <a:r>
-              <a:rPr b="0" lang="en-US" sz="3200" spc="-1" strike="noStrike">
-                <a:solidFill>
-                  <a:srgbClr val="000000"/>
-                </a:solidFill>
-                <a:latin typeface="Consolas"/>
-              </a:rPr>
-              <a:t>for performing a specific task.</a:t>
+              <a:t>It is well-defined set of instructions for performing a specific task.</a:t>
             </a:r>
             <a:endParaRPr b="0" lang="en-US" sz="3200" spc="-1" strike="noStrike">
               <a:solidFill>
                 <a:srgbClr val="000000"/>
               </a:solidFill>
-              <a:latin typeface="Consolas"/>
+              <a:latin typeface="Arial"/>
             </a:endParaRPr>
           </a:p>
           <a:p>
             <a:pPr marL="432000" indent="-324000">
+              <a:lnSpc>
+                <a:spcPct val="100000"/>
+              </a:lnSpc>
               <a:spcBef>
                 <a:spcPts val="1414"/>
               </a:spcBef>
@@ -2160,22 +3591,13 @@
                 </a:solidFill>
                 <a:latin typeface="Consolas"/>
               </a:rPr>
-              <a:t>We use pseudocode to write an </a:t>
-            </a:r>
-            <a:r>
-              <a:rPr b="0" lang="en-US" sz="3200" spc="-1" strike="noStrike">
-                <a:solidFill>
-                  <a:srgbClr val="000000"/>
-                </a:solidFill>
-                <a:latin typeface="Consolas"/>
-              </a:rPr>
-              <a:t>algorithm.</a:t>
+              <a:t>We use pseudocode to write an algorithm.</a:t>
             </a:r>
             <a:endParaRPr b="0" lang="en-US" sz="3200" spc="-1" strike="noStrike">
               <a:solidFill>
                 <a:srgbClr val="000000"/>
               </a:solidFill>
-              <a:latin typeface="Consolas"/>
+              <a:latin typeface="Arial"/>
             </a:endParaRPr>
           </a:p>
         </p:txBody>
@@ -2212,7 +3634,7 @@
       </p:grpSpPr>
       <p:pic>
         <p:nvPicPr>
-          <p:cNvPr id="13" name="" descr=""/>
+          <p:cNvPr id="24" name="" descr=""/>
           <p:cNvPicPr/>
           <p:nvPr/>
         </p:nvPicPr>
@@ -2223,7 +3645,7 @@
         <p:spPr>
           <a:xfrm>
             <a:off x="1289160" y="1143000"/>
-            <a:ext cx="7854840" cy="3200400"/>
+            <a:ext cx="7854480" cy="3200040"/>
           </a:xfrm>
           <a:prstGeom prst="rect">
             <a:avLst/>
@@ -2265,7 +3687,7 @@
       </p:grpSpPr>
       <p:sp>
         <p:nvSpPr>
-          <p:cNvPr id="14" name="PlaceHolder 1"/>
+          <p:cNvPr id="25" name="PlaceHolder 1"/>
           <p:cNvSpPr>
             <a:spLocks noGrp="1"/>
           </p:cNvSpPr>
@@ -2276,7 +3698,7 @@
         <p:spPr>
           <a:xfrm>
             <a:off x="457200" y="2482560"/>
-            <a:ext cx="9068760" cy="946440"/>
+            <a:ext cx="9068400" cy="946080"/>
           </a:xfrm>
           <a:prstGeom prst="rect">
             <a:avLst/>
@@ -2292,7 +3714,13 @@
           </a:bodyPr>
           <a:p>
             <a:pPr indent="0" algn="ctr">
+              <a:lnSpc>
+                <a:spcPct val="100000"/>
+              </a:lnSpc>
               <a:buNone/>
+              <a:tabLst>
+                <a:tab algn="l" pos="0"/>
+              </a:tabLst>
             </a:pPr>
             <a:r>
               <a:rPr b="0" lang="en-US" sz="4400" spc="-1" strike="noStrike">
@@ -2307,7 +3735,7 @@
               <a:solidFill>
                 <a:srgbClr val="000000"/>
               </a:solidFill>
-              <a:latin typeface="Consolas"/>
+              <a:latin typeface="Arial"/>
             </a:endParaRPr>
           </a:p>
         </p:txBody>
@@ -2344,7 +3772,7 @@
       </p:grpSpPr>
       <p:pic>
         <p:nvPicPr>
-          <p:cNvPr id="15" name="" descr=""/>
+          <p:cNvPr id="26" name="" descr=""/>
           <p:cNvPicPr/>
           <p:nvPr/>
         </p:nvPicPr>
@@ -2355,7 +3783,7 @@
         <p:spPr>
           <a:xfrm>
             <a:off x="228600" y="1312920"/>
-            <a:ext cx="9689760" cy="2573280"/>
+            <a:ext cx="9689400" cy="2572920"/>
           </a:xfrm>
           <a:prstGeom prst="rect">
             <a:avLst/>
@@ -2397,7 +3825,7 @@
       </p:grpSpPr>
       <p:sp>
         <p:nvSpPr>
-          <p:cNvPr id="16" name="PlaceHolder 1"/>
+          <p:cNvPr id="27" name="PlaceHolder 1"/>
           <p:cNvSpPr>
             <a:spLocks noGrp="1"/>
           </p:cNvSpPr>
@@ -2408,7 +3836,7 @@
         <p:spPr>
           <a:xfrm>
             <a:off x="303840" y="1339560"/>
-            <a:ext cx="9068760" cy="946440"/>
+            <a:ext cx="9068400" cy="946080"/>
           </a:xfrm>
           <a:prstGeom prst="rect">
             <a:avLst/>
@@ -2424,7 +3852,13 @@
           </a:bodyPr>
           <a:p>
             <a:pPr indent="0" algn="ctr">
+              <a:lnSpc>
+                <a:spcPct val="100000"/>
+              </a:lnSpc>
               <a:buNone/>
+              <a:tabLst>
+                <a:tab algn="l" pos="0"/>
+              </a:tabLst>
             </a:pPr>
             <a:r>
               <a:rPr b="0" lang="en-US" sz="4400" spc="-1" strike="noStrike">
@@ -2439,14 +3873,14 @@
               <a:solidFill>
                 <a:srgbClr val="000000"/>
               </a:solidFill>
-              <a:latin typeface="Consolas"/>
-            </a:endParaRPr>
-          </a:p>
-        </p:txBody>
-      </p:sp>
-      <p:sp>
-        <p:nvSpPr>
-          <p:cNvPr id="17" name="PlaceHolder 2"/>
+              <a:latin typeface="Arial"/>
+            </a:endParaRPr>
+          </a:p>
+        </p:txBody>
+      </p:sp>
+      <p:sp>
+        <p:nvSpPr>
+          <p:cNvPr id="28" name="PlaceHolder 2"/>
           <p:cNvSpPr>
             <a:spLocks noGrp="1"/>
           </p:cNvSpPr>
@@ -2457,7 +3891,7 @@
         <p:spPr>
           <a:xfrm>
             <a:off x="457200" y="2381400"/>
-            <a:ext cx="9068760" cy="3287880"/>
+            <a:ext cx="9068400" cy="3287520"/>
           </a:xfrm>
           <a:prstGeom prst="rect">
             <a:avLst/>
@@ -2473,10 +3907,16 @@
           </a:bodyPr>
           <a:p>
             <a:pPr marL="432000" indent="0">
+              <a:lnSpc>
+                <a:spcPct val="100000"/>
+              </a:lnSpc>
               <a:spcBef>
                 <a:spcPts val="1414"/>
               </a:spcBef>
               <a:buNone/>
+              <a:tabLst>
+                <a:tab algn="l" pos="0"/>
+              </a:tabLst>
             </a:pPr>
             <a:r>
               <a:rPr b="0" lang="en-US" sz="3200" spc="-1" strike="noStrike">
@@ -2505,10 +3945,16 @@
           </a:p>
           <a:p>
             <a:pPr marL="432000" indent="0">
+              <a:lnSpc>
+                <a:spcPct val="100000"/>
+              </a:lnSpc>
               <a:spcBef>
                 <a:spcPts val="1414"/>
               </a:spcBef>
               <a:buNone/>
+              <a:tabLst>
+                <a:tab algn="l" pos="0"/>
+              </a:tabLst>
             </a:pPr>
             <a:endParaRPr b="0" lang="en-US" sz="3200" spc="-1" strike="noStrike">
               <a:solidFill>
@@ -2551,7 +3997,7 @@
       </p:grpSpPr>
       <p:pic>
         <p:nvPicPr>
-          <p:cNvPr id="18" name="" descr=""/>
+          <p:cNvPr id="29" name="" descr=""/>
           <p:cNvPicPr/>
           <p:nvPr/>
         </p:nvPicPr>
@@ -2562,7 +4008,7 @@
         <p:spPr>
           <a:xfrm>
             <a:off x="2561760" y="360"/>
-            <a:ext cx="4982040" cy="5668920"/>
+            <a:ext cx="4981680" cy="5668560"/>
           </a:xfrm>
           <a:prstGeom prst="rect">
             <a:avLst/>
@@ -2604,7 +4050,7 @@
       </p:grpSpPr>
       <p:pic>
         <p:nvPicPr>
-          <p:cNvPr id="19" name="" descr=""/>
+          <p:cNvPr id="30" name="" descr=""/>
           <p:cNvPicPr/>
           <p:nvPr/>
         </p:nvPicPr>
@@ -2615,7 +4061,7 @@
         <p:spPr>
           <a:xfrm>
             <a:off x="2790360" y="0"/>
-            <a:ext cx="4982040" cy="5668920"/>
+            <a:ext cx="4981680" cy="5668560"/>
           </a:xfrm>
           <a:prstGeom prst="rect">
             <a:avLst/>
@@ -2657,7 +4103,7 @@
       </p:grpSpPr>
       <p:pic>
         <p:nvPicPr>
-          <p:cNvPr id="20" name="" descr=""/>
+          <p:cNvPr id="31" name="" descr=""/>
           <p:cNvPicPr/>
           <p:nvPr/>
         </p:nvPicPr>
@@ -2668,7 +4114,7 @@
         <p:spPr>
           <a:xfrm>
             <a:off x="2514600" y="0"/>
-            <a:ext cx="5092920" cy="5668920"/>
+            <a:ext cx="5092560" cy="5668560"/>
           </a:xfrm>
           <a:prstGeom prst="rect">
             <a:avLst/>
@@ -2795,4 +4241,216 @@
     </a:fmtScheme>
   </a:themeElements>
 </a:theme>
+</file>
+
+<file path=ppt/theme/theme2.xml><?xml version="1.0" encoding="utf-8"?>
+<a:theme xmlns:a="http://schemas.openxmlformats.org/drawingml/2006/main" xmlns:r="http://schemas.openxmlformats.org/officeDocument/2006/relationships" name="Office">
+  <a:themeElements>
+    <a:clrScheme name="LibreOffice">
+      <a:dk1>
+        <a:srgbClr val="000000"/>
+      </a:dk1>
+      <a:lt1>
+        <a:srgbClr val="ffffff"/>
+      </a:lt1>
+      <a:dk2>
+        <a:srgbClr val="000000"/>
+      </a:dk2>
+      <a:lt2>
+        <a:srgbClr val="ffffff"/>
+      </a:lt2>
+      <a:accent1>
+        <a:srgbClr val="18a303"/>
+      </a:accent1>
+      <a:accent2>
+        <a:srgbClr val="0369a3"/>
+      </a:accent2>
+      <a:accent3>
+        <a:srgbClr val="a33e03"/>
+      </a:accent3>
+      <a:accent4>
+        <a:srgbClr val="8e03a3"/>
+      </a:accent4>
+      <a:accent5>
+        <a:srgbClr val="c99c00"/>
+      </a:accent5>
+      <a:accent6>
+        <a:srgbClr val="c9211e"/>
+      </a:accent6>
+      <a:hlink>
+        <a:srgbClr val="0000ee"/>
+      </a:hlink>
+      <a:folHlink>
+        <a:srgbClr val="551a8b"/>
+      </a:folHlink>
+    </a:clrScheme>
+    <a:fontScheme name="Office">
+      <a:majorFont>
+        <a:latin typeface="Arial" pitchFamily="0" charset="1"/>
+        <a:ea typeface="DejaVu Sans" pitchFamily="0" charset="1"/>
+        <a:cs typeface="DejaVu Sans" pitchFamily="0" charset="1"/>
+      </a:majorFont>
+      <a:minorFont>
+        <a:latin typeface="Arial" pitchFamily="0" charset="1"/>
+        <a:ea typeface="DejaVu Sans" pitchFamily="0" charset="1"/>
+        <a:cs typeface="DejaVu Sans" pitchFamily="0" charset="1"/>
+      </a:minorFont>
+    </a:fontScheme>
+    <a:fmtScheme>
+      <a:fillStyleLst>
+        <a:solidFill>
+          <a:schemeClr val="phClr"/>
+        </a:solidFill>
+        <a:solidFill>
+          <a:schemeClr val="phClr"/>
+        </a:solidFill>
+        <a:solidFill>
+          <a:schemeClr val="phClr"/>
+        </a:solidFill>
+      </a:fillStyleLst>
+      <a:lnStyleLst>
+        <a:ln w="6350" cap="flat" cmpd="sng" algn="ctr">
+          <a:prstDash val="solid"/>
+          <a:miter/>
+        </a:ln>
+        <a:ln w="6350" cap="flat" cmpd="sng" algn="ctr">
+          <a:prstDash val="solid"/>
+          <a:miter/>
+        </a:ln>
+        <a:ln w="6350" cap="flat" cmpd="sng" algn="ctr">
+          <a:prstDash val="solid"/>
+          <a:miter/>
+        </a:ln>
+      </a:lnStyleLst>
+      <a:effectStyleLst>
+        <a:effectStyle>
+          <a:effectLst/>
+        </a:effectStyle>
+        <a:effectStyle>
+          <a:effectLst/>
+        </a:effectStyle>
+        <a:effectStyle>
+          <a:effectLst/>
+        </a:effectStyle>
+      </a:effectStyleLst>
+      <a:bgFillStyleLst>
+        <a:solidFill>
+          <a:schemeClr val="phClr"/>
+        </a:solidFill>
+        <a:solidFill>
+          <a:schemeClr val="phClr"/>
+        </a:solidFill>
+        <a:solidFill>
+          <a:schemeClr val="phClr"/>
+        </a:solidFill>
+      </a:bgFillStyleLst>
+    </a:fmtScheme>
+  </a:themeElements>
+</a:theme>
+</file>
+
+<file path=ppt/theme/theme3.xml><?xml version="1.0" encoding="utf-8"?>
+<a:theme xmlns:a="http://schemas.openxmlformats.org/drawingml/2006/main" xmlns:r="http://schemas.openxmlformats.org/officeDocument/2006/relationships" name="Office">
+  <a:themeElements>
+    <a:clrScheme name="LibreOffice">
+      <a:dk1>
+        <a:srgbClr val="000000"/>
+      </a:dk1>
+      <a:lt1>
+        <a:srgbClr val="ffffff"/>
+      </a:lt1>
+      <a:dk2>
+        <a:srgbClr val="000000"/>
+      </a:dk2>
+      <a:lt2>
+        <a:srgbClr val="ffffff"/>
+      </a:lt2>
+      <a:accent1>
+        <a:srgbClr val="18a303"/>
+      </a:accent1>
+      <a:accent2>
+        <a:srgbClr val="0369a3"/>
+      </a:accent2>
+      <a:accent3>
+        <a:srgbClr val="a33e03"/>
+      </a:accent3>
+      <a:accent4>
+        <a:srgbClr val="8e03a3"/>
+      </a:accent4>
+      <a:accent5>
+        <a:srgbClr val="c99c00"/>
+      </a:accent5>
+      <a:accent6>
+        <a:srgbClr val="c9211e"/>
+      </a:accent6>
+      <a:hlink>
+        <a:srgbClr val="0000ee"/>
+      </a:hlink>
+      <a:folHlink>
+        <a:srgbClr val="551a8b"/>
+      </a:folHlink>
+    </a:clrScheme>
+    <a:fontScheme name="Office">
+      <a:majorFont>
+        <a:latin typeface="Arial" pitchFamily="0" charset="1"/>
+        <a:ea typeface="DejaVu Sans" pitchFamily="0" charset="1"/>
+        <a:cs typeface="DejaVu Sans" pitchFamily="0" charset="1"/>
+      </a:majorFont>
+      <a:minorFont>
+        <a:latin typeface="Arial" pitchFamily="0" charset="1"/>
+        <a:ea typeface="DejaVu Sans" pitchFamily="0" charset="1"/>
+        <a:cs typeface="DejaVu Sans" pitchFamily="0" charset="1"/>
+      </a:minorFont>
+    </a:fontScheme>
+    <a:fmtScheme>
+      <a:fillStyleLst>
+        <a:solidFill>
+          <a:schemeClr val="phClr"/>
+        </a:solidFill>
+        <a:solidFill>
+          <a:schemeClr val="phClr"/>
+        </a:solidFill>
+        <a:solidFill>
+          <a:schemeClr val="phClr"/>
+        </a:solidFill>
+      </a:fillStyleLst>
+      <a:lnStyleLst>
+        <a:ln w="6350" cap="flat" cmpd="sng" algn="ctr">
+          <a:prstDash val="solid"/>
+          <a:miter/>
+        </a:ln>
+        <a:ln w="6350" cap="flat" cmpd="sng" algn="ctr">
+          <a:prstDash val="solid"/>
+          <a:miter/>
+        </a:ln>
+        <a:ln w="6350" cap="flat" cmpd="sng" algn="ctr">
+          <a:prstDash val="solid"/>
+          <a:miter/>
+        </a:ln>
+      </a:lnStyleLst>
+      <a:effectStyleLst>
+        <a:effectStyle>
+          <a:effectLst/>
+        </a:effectStyle>
+        <a:effectStyle>
+          <a:effectLst/>
+        </a:effectStyle>
+        <a:effectStyle>
+          <a:effectLst/>
+        </a:effectStyle>
+      </a:effectStyleLst>
+      <a:bgFillStyleLst>
+        <a:solidFill>
+          <a:schemeClr val="phClr"/>
+        </a:solidFill>
+        <a:solidFill>
+          <a:schemeClr val="phClr"/>
+        </a:solidFill>
+        <a:solidFill>
+          <a:schemeClr val="phClr"/>
+        </a:solidFill>
+      </a:bgFillStyleLst>
+    </a:fmtScheme>
+  </a:themeElements>
+</a:theme>
 </file>